--- a/LCC/Python/05_關於格式化輸出.pptx
+++ b/LCC/Python/05_關於格式化輸出.pptx
@@ -8,6 +8,17 @@
     <p:sldId id="256" r:id="rId2"/>
     <p:sldId id="257" r:id="rId3"/>
     <p:sldId id="258" r:id="rId4"/>
+    <p:sldId id="259" r:id="rId5"/>
+    <p:sldId id="260" r:id="rId6"/>
+    <p:sldId id="261" r:id="rId7"/>
+    <p:sldId id="262" r:id="rId8"/>
+    <p:sldId id="263" r:id="rId9"/>
+    <p:sldId id="264" r:id="rId10"/>
+    <p:sldId id="265" r:id="rId11"/>
+    <p:sldId id="266" r:id="rId12"/>
+    <p:sldId id="267" r:id="rId13"/>
+    <p:sldId id="268" r:id="rId14"/>
+    <p:sldId id="269" r:id="rId15"/>
   </p:sldIdLst>
   <p:sldSz cx="12192000" cy="6858000"/>
   <p:notesSz cx="6858000" cy="9144000"/>
@@ -871,7 +882,7 @@
             <a:fld id="{B61BEF0D-F0BB-DE4B-95CE-6DB70DBA9567}" type="datetimeFigureOut">
               <a:rPr lang="en-US" smtClean="0"/>
               <a:pPr/>
-              <a:t>1/7/2021</a:t>
+              <a:t>1/8/2021</a:t>
             </a:fld>
             <a:endParaRPr lang="en-US" dirty="0"/>
           </a:p>
@@ -1131,7 +1142,7 @@
             <a:fld id="{B61BEF0D-F0BB-DE4B-95CE-6DB70DBA9567}" type="datetimeFigureOut">
               <a:rPr lang="en-US" smtClean="0"/>
               <a:pPr/>
-              <a:t>1/7/2021</a:t>
+              <a:t>1/8/2021</a:t>
             </a:fld>
             <a:endParaRPr lang="en-US" dirty="0"/>
           </a:p>
@@ -1447,7 +1458,7 @@
             <a:fld id="{B61BEF0D-F0BB-DE4B-95CE-6DB70DBA9567}" type="datetimeFigureOut">
               <a:rPr lang="en-US" smtClean="0"/>
               <a:pPr/>
-              <a:t>1/7/2021</a:t>
+              <a:t>1/8/2021</a:t>
             </a:fld>
             <a:endParaRPr lang="en-US" dirty="0"/>
           </a:p>
@@ -1782,7 +1793,7 @@
             <a:fld id="{B61BEF0D-F0BB-DE4B-95CE-6DB70DBA9567}" type="datetimeFigureOut">
               <a:rPr lang="en-US" smtClean="0"/>
               <a:pPr/>
-              <a:t>1/7/2021</a:t>
+              <a:t>1/8/2021</a:t>
             </a:fld>
             <a:endParaRPr lang="en-US" dirty="0"/>
           </a:p>
@@ -2098,7 +2109,7 @@
             <a:fld id="{B61BEF0D-F0BB-DE4B-95CE-6DB70DBA9567}" type="datetimeFigureOut">
               <a:rPr lang="en-US" smtClean="0"/>
               <a:pPr/>
-              <a:t>1/7/2021</a:t>
+              <a:t>1/8/2021</a:t>
             </a:fld>
             <a:endParaRPr lang="en-US" dirty="0"/>
           </a:p>
@@ -2493,7 +2504,7 @@
             <a:fld id="{B61BEF0D-F0BB-DE4B-95CE-6DB70DBA9567}" type="datetimeFigureOut">
               <a:rPr lang="en-US" smtClean="0"/>
               <a:pPr/>
-              <a:t>1/7/2021</a:t>
+              <a:t>1/8/2021</a:t>
             </a:fld>
             <a:endParaRPr lang="en-US" dirty="0"/>
           </a:p>
@@ -2664,7 +2675,7 @@
           <a:p>
             <a:fld id="{55C6B4A9-1611-4792-9094-5F34BCA07E0B}" type="datetimeFigureOut">
               <a:rPr lang="en-US" smtClean="0"/>
-              <a:t>1/7/2021</a:t>
+              <a:t>1/8/2021</a:t>
             </a:fld>
             <a:endParaRPr lang="en-US" dirty="0"/>
           </a:p>
@@ -2845,7 +2856,7 @@
             <a:fld id="{B61BEF0D-F0BB-DE4B-95CE-6DB70DBA9567}" type="datetimeFigureOut">
               <a:rPr lang="en-US" smtClean="0"/>
               <a:pPr/>
-              <a:t>1/7/2021</a:t>
+              <a:t>1/8/2021</a:t>
             </a:fld>
             <a:endParaRPr lang="en-US" dirty="0"/>
           </a:p>
@@ -3017,7 +3028,7 @@
             <a:fld id="{B61BEF0D-F0BB-DE4B-95CE-6DB70DBA9567}" type="datetimeFigureOut">
               <a:rPr lang="en-US" smtClean="0"/>
               <a:pPr/>
-              <a:t>1/7/2021</a:t>
+              <a:t>1/8/2021</a:t>
             </a:fld>
             <a:endParaRPr lang="en-US" dirty="0"/>
           </a:p>
@@ -3063,39 +3074,6 @@
               <a:t>‹#›</a:t>
             </a:fld>
             <a:endParaRPr lang="en-US" dirty="0"/>
-          </a:p>
-        </p:txBody>
-      </p:sp>
-      <p:sp>
-        <p:nvSpPr>
-          <p:cNvPr id="7" name="矩形 6"/>
-          <p:cNvSpPr/>
-          <p:nvPr userDrawn="1"/>
-        </p:nvSpPr>
-        <p:spPr>
-          <a:xfrm>
-            <a:off x="583155" y="6375118"/>
-            <a:ext cx="6890473" cy="338554"/>
-          </a:xfrm>
-          <a:prstGeom prst="rect">
-            <a:avLst/>
-          </a:prstGeom>
-        </p:spPr>
-        <p:txBody>
-          <a:bodyPr wrap="square">
-            <a:spAutoFit/>
-          </a:bodyPr>
-          <a:lstStyle/>
-          <a:p>
-            <a:r>
-              <a:rPr lang="zh-TW" altLang="en-US" sz="1600" dirty="0" smtClean="0"/>
-              <a:t>https://github.com/liulawsi/LLC_Python/tree/main/Section0</a:t>
-            </a:r>
-            <a:r>
-              <a:rPr lang="en-US" altLang="zh-TW" sz="1600" dirty="0" smtClean="0"/>
-              <a:t>4</a:t>
-            </a:r>
-            <a:endParaRPr lang="zh-TW" altLang="en-US" sz="1600" dirty="0"/>
           </a:p>
         </p:txBody>
       </p:sp>
@@ -3299,7 +3277,7 @@
             <a:fld id="{B61BEF0D-F0BB-DE4B-95CE-6DB70DBA9567}" type="datetimeFigureOut">
               <a:rPr lang="en-US" smtClean="0"/>
               <a:pPr/>
-              <a:t>1/7/2021</a:t>
+              <a:t>1/8/2021</a:t>
             </a:fld>
             <a:endParaRPr lang="en-US" dirty="0"/>
           </a:p>
@@ -3532,7 +3510,7 @@
           <a:p>
             <a:fld id="{EB712588-04B1-427B-82EE-E8DB90309F08}" type="datetimeFigureOut">
               <a:rPr lang="en-US" smtClean="0"/>
-              <a:t>1/7/2021</a:t>
+              <a:t>1/8/2021</a:t>
             </a:fld>
             <a:endParaRPr lang="en-US" dirty="0"/>
           </a:p>
@@ -3577,39 +3555,6 @@
               <a:t>‹#›</a:t>
             </a:fld>
             <a:endParaRPr lang="en-US" dirty="0"/>
-          </a:p>
-        </p:txBody>
-      </p:sp>
-      <p:sp>
-        <p:nvSpPr>
-          <p:cNvPr id="8" name="矩形 7"/>
-          <p:cNvSpPr/>
-          <p:nvPr userDrawn="1"/>
-        </p:nvSpPr>
-        <p:spPr>
-          <a:xfrm>
-            <a:off x="583155" y="6375118"/>
-            <a:ext cx="6890473" cy="338554"/>
-          </a:xfrm>
-          <a:prstGeom prst="rect">
-            <a:avLst/>
-          </a:prstGeom>
-        </p:spPr>
-        <p:txBody>
-          <a:bodyPr wrap="square">
-            <a:spAutoFit/>
-          </a:bodyPr>
-          <a:lstStyle/>
-          <a:p>
-            <a:r>
-              <a:rPr lang="zh-TW" altLang="en-US" sz="1600" dirty="0" smtClean="0"/>
-              <a:t>https://github.com/liulawsi/LLC_Python/tree/main/Section0</a:t>
-            </a:r>
-            <a:r>
-              <a:rPr lang="en-US" altLang="zh-TW" sz="1600" dirty="0" smtClean="0"/>
-              <a:t>4</a:t>
-            </a:r>
-            <a:endParaRPr lang="zh-TW" altLang="en-US" sz="1600" dirty="0"/>
           </a:p>
         </p:txBody>
       </p:sp>
@@ -3940,7 +3885,7 @@
             <a:fld id="{B61BEF0D-F0BB-DE4B-95CE-6DB70DBA9567}" type="datetimeFigureOut">
               <a:rPr lang="en-US" smtClean="0"/>
               <a:pPr/>
-              <a:t>1/7/2021</a:t>
+              <a:t>1/8/2021</a:t>
             </a:fld>
             <a:endParaRPr lang="en-US" dirty="0"/>
           </a:p>
@@ -3986,39 +3931,6 @@
               <a:t>‹#›</a:t>
             </a:fld>
             <a:endParaRPr lang="en-US" dirty="0"/>
-          </a:p>
-        </p:txBody>
-      </p:sp>
-      <p:sp>
-        <p:nvSpPr>
-          <p:cNvPr id="10" name="矩形 9"/>
-          <p:cNvSpPr/>
-          <p:nvPr userDrawn="1"/>
-        </p:nvSpPr>
-        <p:spPr>
-          <a:xfrm>
-            <a:off x="583155" y="6375118"/>
-            <a:ext cx="6890473" cy="338554"/>
-          </a:xfrm>
-          <a:prstGeom prst="rect">
-            <a:avLst/>
-          </a:prstGeom>
-        </p:spPr>
-        <p:txBody>
-          <a:bodyPr wrap="square">
-            <a:spAutoFit/>
-          </a:bodyPr>
-          <a:lstStyle/>
-          <a:p>
-            <a:r>
-              <a:rPr lang="zh-TW" altLang="en-US" sz="1600" dirty="0" smtClean="0"/>
-              <a:t>https://github.com/liulawsi/LLC_Python/tree/main/Section0</a:t>
-            </a:r>
-            <a:r>
-              <a:rPr lang="en-US" altLang="zh-TW" sz="1600" dirty="0" smtClean="0"/>
-              <a:t>4</a:t>
-            </a:r>
-            <a:endParaRPr lang="zh-TW" altLang="en-US" sz="1600" dirty="0"/>
           </a:p>
         </p:txBody>
       </p:sp>
@@ -4098,7 +4010,7 @@
             <a:fld id="{B61BEF0D-F0BB-DE4B-95CE-6DB70DBA9567}" type="datetimeFigureOut">
               <a:rPr lang="en-US" smtClean="0"/>
               <a:pPr/>
-              <a:t>1/7/2021</a:t>
+              <a:t>1/8/2021</a:t>
             </a:fld>
             <a:endParaRPr lang="en-US" dirty="0"/>
           </a:p>
@@ -4144,39 +4056,6 @@
               <a:t>‹#›</a:t>
             </a:fld>
             <a:endParaRPr lang="en-US" dirty="0"/>
-          </a:p>
-        </p:txBody>
-      </p:sp>
-      <p:sp>
-        <p:nvSpPr>
-          <p:cNvPr id="6" name="矩形 5"/>
-          <p:cNvSpPr/>
-          <p:nvPr userDrawn="1"/>
-        </p:nvSpPr>
-        <p:spPr>
-          <a:xfrm>
-            <a:off x="583155" y="6375118"/>
-            <a:ext cx="6890473" cy="338554"/>
-          </a:xfrm>
-          <a:prstGeom prst="rect">
-            <a:avLst/>
-          </a:prstGeom>
-        </p:spPr>
-        <p:txBody>
-          <a:bodyPr wrap="square">
-            <a:spAutoFit/>
-          </a:bodyPr>
-          <a:lstStyle/>
-          <a:p>
-            <a:r>
-              <a:rPr lang="zh-TW" altLang="en-US" sz="1600" dirty="0" smtClean="0"/>
-              <a:t>https://github.com/liulawsi/LLC_Python/tree/main/Section0</a:t>
-            </a:r>
-            <a:r>
-              <a:rPr lang="en-US" altLang="zh-TW" sz="1600" dirty="0" smtClean="0"/>
-              <a:t>4</a:t>
-            </a:r>
-            <a:endParaRPr lang="zh-TW" altLang="en-US" sz="1600" dirty="0"/>
           </a:p>
         </p:txBody>
       </p:sp>
@@ -4228,7 +4107,7 @@
             <a:fld id="{B61BEF0D-F0BB-DE4B-95CE-6DB70DBA9567}" type="datetimeFigureOut">
               <a:rPr lang="en-US" smtClean="0"/>
               <a:pPr/>
-              <a:t>1/7/2021</a:t>
+              <a:t>1/8/2021</a:t>
             </a:fld>
             <a:endParaRPr lang="en-US" dirty="0"/>
           </a:p>
@@ -4484,7 +4363,7 @@
           <a:p>
             <a:fld id="{42A54C80-263E-416B-A8E0-580EDEADCBDC}" type="datetimeFigureOut">
               <a:rPr lang="en-US" smtClean="0"/>
-              <a:t>1/7/2021</a:t>
+              <a:t>1/8/2021</a:t>
             </a:fld>
             <a:endParaRPr lang="en-US" dirty="0"/>
           </a:p>
@@ -4791,7 +4670,7 @@
             <a:fld id="{B61BEF0D-F0BB-DE4B-95CE-6DB70DBA9567}" type="datetimeFigureOut">
               <a:rPr lang="en-US" smtClean="0"/>
               <a:pPr/>
-              <a:t>1/7/2021</a:t>
+              <a:t>1/8/2021</a:t>
             </a:fld>
             <a:endParaRPr lang="en-US" dirty="0"/>
           </a:p>
@@ -5494,7 +5373,7 @@
             <a:fld id="{B61BEF0D-F0BB-DE4B-95CE-6DB70DBA9567}" type="datetimeFigureOut">
               <a:rPr lang="en-US" smtClean="0"/>
               <a:pPr/>
-              <a:t>1/7/2021</a:t>
+              <a:t>1/8/2021</a:t>
             </a:fld>
             <a:endParaRPr lang="en-US" dirty="0"/>
           </a:p>
@@ -5641,11 +5520,7 @@
           <a:p>
             <a:r>
               <a:rPr lang="zh-TW" altLang="en-US" sz="1600" dirty="0" smtClean="0"/>
-              <a:t>https://github.com/liulawsi/LLC_Python/tree/main/Section</a:t>
-            </a:r>
-            <a:r>
-              <a:rPr lang="zh-TW" altLang="en-US" sz="1600" dirty="0" smtClean="0"/>
-              <a:t>0</a:t>
+              <a:t>https://github.com/liulawsi/LLC_Python/tree/main/Section0</a:t>
             </a:r>
             <a:r>
               <a:rPr lang="en-US" altLang="zh-TW" sz="1600" dirty="0" smtClean="0"/>
@@ -6145,7 +6020,7 @@
           <a:p>
             <a:fld id="{4805910D-2C61-424F-80CE-807290CF0E1E}" type="datetime4">
               <a:rPr lang="zh-TW" altLang="zh-TW"/>
-              <a:t>110年1月7日星期四</a:t>
+              <a:t>110年1月8日星期五</a:t>
             </a:fld>
             <a:endParaRPr lang="zh-TW" altLang="en-US" dirty="0"/>
           </a:p>
@@ -6209,6 +6084,2006 @@
       </p:par>
     </p:tnLst>
   </p:timing>
+</p:sld>
+</file>
+
+<file path=ppt/slides/slide10.xml><?xml version="1.0" encoding="utf-8"?>
+<p:sld xmlns:a="http://schemas.openxmlformats.org/drawingml/2006/main" xmlns:r="http://schemas.openxmlformats.org/officeDocument/2006/relationships" xmlns:p="http://schemas.openxmlformats.org/presentationml/2006/main">
+  <p:cSld>
+    <p:spTree>
+      <p:nvGrpSpPr>
+        <p:cNvPr id="1" name=""/>
+        <p:cNvGrpSpPr/>
+        <p:nvPr/>
+      </p:nvGrpSpPr>
+      <p:grpSpPr>
+        <a:xfrm>
+          <a:off x="0" y="0"/>
+          <a:ext cx="0" cy="0"/>
+          <a:chOff x="0" y="0"/>
+          <a:chExt cx="0" cy="0"/>
+        </a:xfrm>
+      </p:grpSpPr>
+      <p:sp>
+        <p:nvSpPr>
+          <p:cNvPr id="2" name="標題 1"/>
+          <p:cNvSpPr>
+            <a:spLocks noGrp="1"/>
+          </p:cNvSpPr>
+          <p:nvPr>
+            <p:ph type="title"/>
+          </p:nvPr>
+        </p:nvSpPr>
+        <p:spPr/>
+        <p:txBody>
+          <a:bodyPr/>
+          <a:lstStyle/>
+          <a:p>
+            <a:r>
+              <a:rPr lang="zh-TW" altLang="en-US" dirty="0" smtClean="0"/>
+              <a:t>基本款範例</a:t>
+            </a:r>
+            <a:endParaRPr lang="zh-TW" altLang="en-US" dirty="0"/>
+          </a:p>
+        </p:txBody>
+      </p:sp>
+      <p:sp>
+        <p:nvSpPr>
+          <p:cNvPr id="3" name="內容版面配置區 2"/>
+          <p:cNvSpPr>
+            <a:spLocks noGrp="1"/>
+          </p:cNvSpPr>
+          <p:nvPr>
+            <p:ph idx="1"/>
+          </p:nvPr>
+        </p:nvSpPr>
+        <p:spPr/>
+        <p:txBody>
+          <a:bodyPr/>
+          <a:lstStyle/>
+          <a:p>
+            <a:r>
+              <a:rPr lang="en-US" altLang="zh-TW" dirty="0" smtClean="0"/>
+              <a:t>“</a:t>
+            </a:r>
+            <a:r>
+              <a:rPr lang="en-US" altLang="zh-TW" dirty="0" smtClean="0">
+                <a:solidFill>
+                  <a:srgbClr val="FF0000"/>
+                </a:solidFill>
+              </a:rPr>
+              <a:t>{}</a:t>
+            </a:r>
+            <a:r>
+              <a:rPr lang="zh-TW" altLang="en-US" dirty="0" smtClean="0"/>
+              <a:t>的身高是</a:t>
+            </a:r>
+            <a:r>
+              <a:rPr lang="en-US" altLang="zh-TW" dirty="0" smtClean="0">
+                <a:solidFill>
+                  <a:srgbClr val="0070C0"/>
+                </a:solidFill>
+              </a:rPr>
+              <a:t>{}</a:t>
+            </a:r>
+            <a:r>
+              <a:rPr lang="zh-TW" altLang="en-US" dirty="0" smtClean="0"/>
+              <a:t>公分，體重是</a:t>
+            </a:r>
+            <a:r>
+              <a:rPr lang="en-US" altLang="zh-TW" dirty="0" smtClean="0">
+                <a:solidFill>
+                  <a:srgbClr val="7030A0"/>
+                </a:solidFill>
+              </a:rPr>
+              <a:t>{}</a:t>
+            </a:r>
+            <a:r>
+              <a:rPr lang="zh-TW" altLang="en-US" dirty="0" smtClean="0"/>
+              <a:t>公斤</a:t>
+            </a:r>
+            <a:r>
+              <a:rPr lang="en-US" altLang="zh-TW" dirty="0" smtClean="0"/>
+              <a:t>”</a:t>
+            </a:r>
+            <a:r>
+              <a:rPr lang="en-US" altLang="zh-TW" dirty="0" smtClean="0">
+                <a:solidFill>
+                  <a:srgbClr val="FF0000"/>
+                </a:solidFill>
+              </a:rPr>
+              <a:t>.format(“</a:t>
+            </a:r>
+            <a:r>
+              <a:rPr lang="zh-TW" altLang="en-US" dirty="0" smtClean="0">
+                <a:solidFill>
+                  <a:srgbClr val="FF0000"/>
+                </a:solidFill>
+              </a:rPr>
+              <a:t>劉老師</a:t>
+            </a:r>
+            <a:r>
+              <a:rPr lang="en-US" altLang="zh-TW" dirty="0" smtClean="0">
+                <a:solidFill>
+                  <a:srgbClr val="FF0000"/>
+                </a:solidFill>
+              </a:rPr>
+              <a:t>”, </a:t>
+            </a:r>
+            <a:r>
+              <a:rPr lang="en-US" altLang="zh-TW" dirty="0" smtClean="0">
+                <a:solidFill>
+                  <a:srgbClr val="0070C0"/>
+                </a:solidFill>
+              </a:rPr>
+              <a:t>168</a:t>
+            </a:r>
+            <a:r>
+              <a:rPr lang="en-US" altLang="zh-TW" dirty="0" smtClean="0">
+                <a:solidFill>
+                  <a:srgbClr val="FF0000"/>
+                </a:solidFill>
+              </a:rPr>
+              <a:t>, </a:t>
+            </a:r>
+            <a:r>
+              <a:rPr lang="en-US" altLang="zh-TW" dirty="0" smtClean="0">
+                <a:solidFill>
+                  <a:srgbClr val="7030A0"/>
+                </a:solidFill>
+              </a:rPr>
+              <a:t>68</a:t>
+            </a:r>
+            <a:r>
+              <a:rPr lang="en-US" altLang="zh-TW" dirty="0" smtClean="0">
+                <a:solidFill>
+                  <a:srgbClr val="FF0000"/>
+                </a:solidFill>
+              </a:rPr>
+              <a:t>)</a:t>
+            </a:r>
+          </a:p>
+          <a:p>
+            <a:pPr marL="0" indent="0">
+              <a:buNone/>
+            </a:pPr>
+            <a:r>
+              <a:rPr lang="en-US" altLang="zh-TW" dirty="0" smtClean="0">
+                <a:sym typeface="Wingdings" panose="05000000000000000000" pitchFamily="2" charset="2"/>
+              </a:rPr>
+              <a:t>	 </a:t>
+            </a:r>
+            <a:r>
+              <a:rPr lang="en-US" altLang="zh-TW" dirty="0" smtClean="0"/>
+              <a:t>“</a:t>
+            </a:r>
+            <a:r>
+              <a:rPr lang="zh-TW" altLang="en-US" dirty="0">
+                <a:solidFill>
+                  <a:srgbClr val="FF0000"/>
+                </a:solidFill>
+              </a:rPr>
+              <a:t>劉老師</a:t>
+            </a:r>
+            <a:r>
+              <a:rPr lang="zh-TW" altLang="en-US" dirty="0" smtClean="0"/>
+              <a:t>的</a:t>
+            </a:r>
+            <a:r>
+              <a:rPr lang="zh-TW" altLang="en-US" dirty="0"/>
+              <a:t>身高</a:t>
+            </a:r>
+            <a:r>
+              <a:rPr lang="zh-TW" altLang="en-US" dirty="0" smtClean="0"/>
+              <a:t>是</a:t>
+            </a:r>
+            <a:r>
+              <a:rPr lang="en-US" altLang="zh-TW" dirty="0">
+                <a:solidFill>
+                  <a:srgbClr val="0070C0"/>
+                </a:solidFill>
+              </a:rPr>
+              <a:t>168</a:t>
+            </a:r>
+            <a:r>
+              <a:rPr lang="zh-TW" altLang="en-US" dirty="0" smtClean="0"/>
+              <a:t>公分</a:t>
+            </a:r>
+            <a:r>
+              <a:rPr lang="zh-TW" altLang="en-US" dirty="0"/>
+              <a:t>，體重</a:t>
+            </a:r>
+            <a:r>
+              <a:rPr lang="zh-TW" altLang="en-US" dirty="0" smtClean="0"/>
+              <a:t>是</a:t>
+            </a:r>
+            <a:r>
+              <a:rPr lang="en-US" altLang="zh-TW" dirty="0">
+                <a:solidFill>
+                  <a:srgbClr val="7030A0"/>
+                </a:solidFill>
+              </a:rPr>
+              <a:t>68</a:t>
+            </a:r>
+            <a:r>
+              <a:rPr lang="zh-TW" altLang="en-US" dirty="0" smtClean="0"/>
+              <a:t>公斤</a:t>
+            </a:r>
+            <a:endParaRPr lang="en-US" altLang="zh-TW" dirty="0"/>
+          </a:p>
+          <a:p>
+            <a:r>
+              <a:rPr lang="zh-TW" altLang="en-US" dirty="0" smtClean="0"/>
+              <a:t>附加</a:t>
+            </a:r>
+            <a:r>
+              <a:rPr lang="zh-TW" altLang="en-US" dirty="0"/>
+              <a:t>格式同</a:t>
+            </a:r>
+            <a:r>
+              <a:rPr lang="zh-TW" altLang="en-US" dirty="0" smtClean="0"/>
+              <a:t>前種方式</a:t>
+            </a:r>
+            <a:r>
+              <a:rPr lang="en-US" altLang="zh-TW" dirty="0" smtClean="0">
+                <a:sym typeface="Wingdings" panose="05000000000000000000" pitchFamily="2" charset="2"/>
+              </a:rPr>
+              <a:t>(</a:t>
+            </a:r>
+            <a:r>
+              <a:rPr lang="zh-TW" altLang="en-US" dirty="0" smtClean="0">
+                <a:sym typeface="Wingdings" panose="05000000000000000000" pitchFamily="2" charset="2"/>
+              </a:rPr>
+              <a:t>記得前面要</a:t>
+            </a:r>
+            <a:r>
+              <a:rPr lang="zh-TW" altLang="en-US" b="1" dirty="0" smtClean="0">
+                <a:solidFill>
+                  <a:srgbClr val="FF0000"/>
+                </a:solidFill>
+                <a:sym typeface="Wingdings" panose="05000000000000000000" pitchFamily="2" charset="2"/>
+              </a:rPr>
+              <a:t>多加一個冒號</a:t>
+            </a:r>
+            <a:r>
+              <a:rPr lang="en-US" altLang="zh-TW" dirty="0" smtClean="0">
+                <a:sym typeface="Wingdings" panose="05000000000000000000" pitchFamily="2" charset="2"/>
+              </a:rPr>
+              <a:t>)</a:t>
+            </a:r>
+            <a:r>
+              <a:rPr lang="zh-TW" altLang="en-US" dirty="0" smtClean="0">
+                <a:sym typeface="Wingdings" panose="05000000000000000000" pitchFamily="2" charset="2"/>
+              </a:rPr>
+              <a:t>：</a:t>
+            </a:r>
+            <a:endParaRPr lang="en-US" altLang="zh-TW" dirty="0" smtClean="0"/>
+          </a:p>
+          <a:p>
+            <a:pPr lvl="1"/>
+            <a:r>
+              <a:rPr lang="en-US" altLang="zh-TW" dirty="0" smtClean="0"/>
+              <a:t>:M  ,  :</a:t>
+            </a:r>
+            <a:r>
+              <a:rPr lang="en-US" altLang="zh-TW" dirty="0" err="1" smtClean="0"/>
+              <a:t>M.n</a:t>
+            </a:r>
+            <a:r>
+              <a:rPr lang="en-US" altLang="zh-TW" dirty="0" smtClean="0"/>
+              <a:t>  ,  :m  ,  :</a:t>
+            </a:r>
+            <a:r>
+              <a:rPr lang="en-US" altLang="zh-TW" dirty="0" err="1" smtClean="0"/>
+              <a:t>m.n</a:t>
+            </a:r>
+            <a:r>
+              <a:rPr lang="en-US" altLang="zh-TW" dirty="0" smtClean="0"/>
+              <a:t>  ,   :+</a:t>
+            </a:r>
+          </a:p>
+          <a:p>
+            <a:r>
+              <a:rPr lang="zh-TW" altLang="en-US" dirty="0" smtClean="0"/>
+              <a:t>但是</a:t>
+            </a:r>
+            <a:r>
+              <a:rPr lang="zh-TW" altLang="en-US" dirty="0"/>
+              <a:t>負號取消了</a:t>
+            </a:r>
+            <a:r>
+              <a:rPr lang="zh-TW" altLang="en-US" dirty="0" smtClean="0"/>
+              <a:t>！</a:t>
+            </a:r>
+            <a:endParaRPr lang="en-US" altLang="zh-TW" dirty="0" smtClean="0"/>
+          </a:p>
+          <a:p>
+            <a:pPr lvl="1"/>
+            <a:r>
+              <a:rPr lang="en-US" altLang="zh-TW" dirty="0" smtClean="0"/>
+              <a:t>&lt;  </a:t>
+            </a:r>
+            <a:r>
+              <a:rPr lang="zh-TW" altLang="en-US" dirty="0" smtClean="0"/>
+              <a:t>靠左</a:t>
+            </a:r>
+            <a:endParaRPr lang="en-US" altLang="zh-TW" dirty="0" smtClean="0"/>
+          </a:p>
+          <a:p>
+            <a:pPr lvl="1"/>
+            <a:r>
+              <a:rPr lang="en-US" altLang="zh-TW" dirty="0" smtClean="0"/>
+              <a:t>&gt;</a:t>
+            </a:r>
+            <a:r>
+              <a:rPr lang="zh-TW" altLang="en-US" dirty="0" smtClean="0"/>
+              <a:t>  靠右</a:t>
+            </a:r>
+            <a:endParaRPr lang="en-US" altLang="zh-TW" dirty="0" smtClean="0"/>
+          </a:p>
+          <a:p>
+            <a:pPr lvl="1"/>
+            <a:r>
+              <a:rPr lang="en-US" altLang="zh-TW" dirty="0" smtClean="0"/>
+              <a:t>^</a:t>
+            </a:r>
+            <a:r>
+              <a:rPr lang="zh-TW" altLang="en-US" dirty="0" smtClean="0"/>
+              <a:t>  置中    </a:t>
+            </a:r>
+            <a:r>
+              <a:rPr lang="en-US" altLang="zh-TW" dirty="0" smtClean="0">
+                <a:sym typeface="Wingdings" panose="05000000000000000000" pitchFamily="2" charset="2"/>
+              </a:rPr>
+              <a:t> </a:t>
+            </a:r>
+            <a:r>
+              <a:rPr lang="zh-TW" altLang="en-US" dirty="0" smtClean="0">
+                <a:sym typeface="Wingdings" panose="05000000000000000000" pitchFamily="2" charset="2"/>
+              </a:rPr>
+              <a:t>多這個很棒吧！不用自己算。</a:t>
+            </a:r>
+            <a:endParaRPr lang="en-US" altLang="zh-TW" dirty="0" smtClean="0">
+              <a:sym typeface="Wingdings" panose="05000000000000000000" pitchFamily="2" charset="2"/>
+            </a:endParaRPr>
+          </a:p>
+          <a:p>
+            <a:r>
+              <a:rPr lang="zh-TW" altLang="en-US" dirty="0" smtClean="0"/>
+              <a:t>範例：</a:t>
+            </a:r>
+            <a:r>
+              <a:rPr lang="en-US" altLang="zh-TW" dirty="0" smtClean="0"/>
+              <a:t>{</a:t>
+            </a:r>
+            <a:r>
+              <a:rPr lang="en-US" altLang="zh-TW" b="1" dirty="0" smtClean="0">
+                <a:solidFill>
+                  <a:srgbClr val="FF0000"/>
+                </a:solidFill>
+              </a:rPr>
+              <a:t>:</a:t>
+            </a:r>
+            <a:r>
+              <a:rPr lang="en-US" altLang="zh-TW" dirty="0"/>
+              <a:t>7d},  {</a:t>
+            </a:r>
+            <a:r>
+              <a:rPr lang="en-US" altLang="zh-TW" b="1" dirty="0">
+                <a:solidFill>
+                  <a:srgbClr val="FF0000"/>
+                </a:solidFill>
+              </a:rPr>
+              <a:t>:</a:t>
+            </a:r>
+            <a:r>
+              <a:rPr lang="en-US" altLang="zh-TW" dirty="0"/>
+              <a:t>&lt;7f}, {</a:t>
+            </a:r>
+            <a:r>
+              <a:rPr lang="en-US" altLang="zh-TW" b="1" dirty="0">
+                <a:solidFill>
+                  <a:srgbClr val="FF0000"/>
+                </a:solidFill>
+              </a:rPr>
+              <a:t>:</a:t>
+            </a:r>
+            <a:r>
+              <a:rPr lang="en-US" altLang="zh-TW" dirty="0"/>
+              <a:t>8.3f}, {</a:t>
+            </a:r>
+            <a:r>
+              <a:rPr lang="en-US" altLang="zh-TW" b="1" dirty="0">
+                <a:solidFill>
+                  <a:srgbClr val="FF0000"/>
+                </a:solidFill>
+              </a:rPr>
+              <a:t>:</a:t>
+            </a:r>
+            <a:r>
+              <a:rPr lang="en-US" altLang="zh-TW" dirty="0"/>
+              <a:t>+8d</a:t>
+            </a:r>
+            <a:r>
+              <a:rPr lang="en-US" altLang="zh-TW" dirty="0" smtClean="0"/>
+              <a:t>},……</a:t>
+            </a:r>
+            <a:endParaRPr lang="en-US" altLang="zh-TW" dirty="0"/>
+          </a:p>
+        </p:txBody>
+      </p:sp>
+      <p:sp>
+        <p:nvSpPr>
+          <p:cNvPr id="4" name="弧形 3"/>
+          <p:cNvSpPr/>
+          <p:nvPr/>
+        </p:nvSpPr>
+        <p:spPr>
+          <a:xfrm>
+            <a:off x="1327212" y="1790335"/>
+            <a:ext cx="4259772" cy="740507"/>
+          </a:xfrm>
+          <a:prstGeom prst="arc">
+            <a:avLst>
+              <a:gd name="adj1" fmla="val 10797520"/>
+              <a:gd name="adj2" fmla="val 0"/>
+            </a:avLst>
+          </a:prstGeom>
+          <a:ln w="28575">
+            <a:solidFill>
+              <a:srgbClr val="FF0000"/>
+            </a:solidFill>
+            <a:headEnd type="triangle" w="med" len="med"/>
+            <a:tailEnd type="none" w="med" len="med"/>
+          </a:ln>
+        </p:spPr>
+        <p:style>
+          <a:lnRef idx="1">
+            <a:schemeClr val="accent1"/>
+          </a:lnRef>
+          <a:fillRef idx="0">
+            <a:schemeClr val="accent1"/>
+          </a:fillRef>
+          <a:effectRef idx="0">
+            <a:schemeClr val="accent1"/>
+          </a:effectRef>
+          <a:fontRef idx="minor">
+            <a:schemeClr val="tx1"/>
+          </a:fontRef>
+        </p:style>
+        <p:txBody>
+          <a:bodyPr rtlCol="0" anchor="ctr"/>
+          <a:lstStyle/>
+          <a:p>
+            <a:pPr algn="ctr"/>
+            <a:endParaRPr lang="zh-TW" altLang="en-US"/>
+          </a:p>
+        </p:txBody>
+      </p:sp>
+      <p:sp>
+        <p:nvSpPr>
+          <p:cNvPr id="5" name="弧形 4"/>
+          <p:cNvSpPr/>
+          <p:nvPr/>
+        </p:nvSpPr>
+        <p:spPr>
+          <a:xfrm>
+            <a:off x="2430588" y="1790335"/>
+            <a:ext cx="4259772" cy="740507"/>
+          </a:xfrm>
+          <a:prstGeom prst="arc">
+            <a:avLst>
+              <a:gd name="adj1" fmla="val 10797520"/>
+              <a:gd name="adj2" fmla="val 0"/>
+            </a:avLst>
+          </a:prstGeom>
+          <a:ln w="28575">
+            <a:solidFill>
+              <a:srgbClr val="0070C0"/>
+            </a:solidFill>
+            <a:headEnd type="triangle" w="med" len="med"/>
+            <a:tailEnd type="none" w="med" len="med"/>
+          </a:ln>
+        </p:spPr>
+        <p:style>
+          <a:lnRef idx="1">
+            <a:schemeClr val="accent1"/>
+          </a:lnRef>
+          <a:fillRef idx="0">
+            <a:schemeClr val="accent1"/>
+          </a:fillRef>
+          <a:effectRef idx="0">
+            <a:schemeClr val="accent1"/>
+          </a:effectRef>
+          <a:fontRef idx="minor">
+            <a:schemeClr val="tx1"/>
+          </a:fontRef>
+        </p:style>
+        <p:txBody>
+          <a:bodyPr rtlCol="0" anchor="ctr"/>
+          <a:lstStyle/>
+          <a:p>
+            <a:pPr algn="ctr"/>
+            <a:endParaRPr lang="zh-TW" altLang="en-US"/>
+          </a:p>
+        </p:txBody>
+      </p:sp>
+      <p:sp>
+        <p:nvSpPr>
+          <p:cNvPr id="6" name="弧形 5"/>
+          <p:cNvSpPr/>
+          <p:nvPr/>
+        </p:nvSpPr>
+        <p:spPr>
+          <a:xfrm>
+            <a:off x="3959352" y="1790335"/>
+            <a:ext cx="3224784" cy="740507"/>
+          </a:xfrm>
+          <a:prstGeom prst="arc">
+            <a:avLst>
+              <a:gd name="adj1" fmla="val 10797520"/>
+              <a:gd name="adj2" fmla="val 0"/>
+            </a:avLst>
+          </a:prstGeom>
+          <a:ln w="28575">
+            <a:solidFill>
+              <a:srgbClr val="7030A0"/>
+            </a:solidFill>
+            <a:headEnd type="triangle" w="med" len="med"/>
+            <a:tailEnd type="none" w="med" len="med"/>
+          </a:ln>
+        </p:spPr>
+        <p:style>
+          <a:lnRef idx="1">
+            <a:schemeClr val="accent1"/>
+          </a:lnRef>
+          <a:fillRef idx="0">
+            <a:schemeClr val="accent1"/>
+          </a:fillRef>
+          <a:effectRef idx="0">
+            <a:schemeClr val="accent1"/>
+          </a:effectRef>
+          <a:fontRef idx="minor">
+            <a:schemeClr val="tx1"/>
+          </a:fontRef>
+        </p:style>
+        <p:txBody>
+          <a:bodyPr rtlCol="0" anchor="ctr"/>
+          <a:lstStyle/>
+          <a:p>
+            <a:pPr algn="ctr"/>
+            <a:endParaRPr lang="zh-TW" altLang="en-US"/>
+          </a:p>
+        </p:txBody>
+      </p:sp>
+    </p:spTree>
+    <p:extLst>
+      <p:ext uri="{BB962C8B-B14F-4D97-AF65-F5344CB8AC3E}">
+        <p14:creationId xmlns:p14="http://schemas.microsoft.com/office/powerpoint/2010/main" val="3129960587"/>
+      </p:ext>
+    </p:extLst>
+  </p:cSld>
+  <p:clrMapOvr>
+    <a:masterClrMapping/>
+  </p:clrMapOvr>
+</p:sld>
+</file>
+
+<file path=ppt/slides/slide11.xml><?xml version="1.0" encoding="utf-8"?>
+<p:sld xmlns:a="http://schemas.openxmlformats.org/drawingml/2006/main" xmlns:r="http://schemas.openxmlformats.org/officeDocument/2006/relationships" xmlns:p="http://schemas.openxmlformats.org/presentationml/2006/main">
+  <p:cSld>
+    <p:spTree>
+      <p:nvGrpSpPr>
+        <p:cNvPr id="1" name=""/>
+        <p:cNvGrpSpPr/>
+        <p:nvPr/>
+      </p:nvGrpSpPr>
+      <p:grpSpPr>
+        <a:xfrm>
+          <a:off x="0" y="0"/>
+          <a:ext cx="0" cy="0"/>
+          <a:chOff x="0" y="0"/>
+          <a:chExt cx="0" cy="0"/>
+        </a:xfrm>
+      </p:grpSpPr>
+      <p:sp>
+        <p:nvSpPr>
+          <p:cNvPr id="2" name="標題 1"/>
+          <p:cNvSpPr>
+            <a:spLocks noGrp="1"/>
+          </p:cNvSpPr>
+          <p:nvPr>
+            <p:ph type="title"/>
+          </p:nvPr>
+        </p:nvSpPr>
+        <p:spPr/>
+        <p:txBody>
+          <a:bodyPr/>
+          <a:lstStyle/>
+          <a:p>
+            <a:r>
+              <a:rPr lang="zh-TW" altLang="en-US" dirty="0" smtClean="0"/>
+              <a:t>特別加強款</a:t>
+            </a:r>
+            <a:r>
+              <a:rPr lang="en-US" altLang="zh-TW" dirty="0" smtClean="0"/>
+              <a:t/>
+            </a:r>
+            <a:br>
+              <a:rPr lang="en-US" altLang="zh-TW" dirty="0" smtClean="0"/>
+            </a:br>
+            <a:r>
+              <a:rPr lang="zh-TW" altLang="en-US" dirty="0"/>
+              <a:t>順序可換！</a:t>
+            </a:r>
+          </a:p>
+        </p:txBody>
+      </p:sp>
+      <p:sp>
+        <p:nvSpPr>
+          <p:cNvPr id="3" name="內容版面配置區 2"/>
+          <p:cNvSpPr>
+            <a:spLocks noGrp="1"/>
+          </p:cNvSpPr>
+          <p:nvPr>
+            <p:ph idx="1"/>
+          </p:nvPr>
+        </p:nvSpPr>
+        <p:spPr/>
+        <p:txBody>
+          <a:bodyPr/>
+          <a:lstStyle/>
+          <a:p>
+            <a:endParaRPr lang="en-US" altLang="zh-TW" dirty="0" smtClean="0"/>
+          </a:p>
+          <a:p>
+            <a:r>
+              <a:rPr lang="en-US" altLang="zh-TW" dirty="0" smtClean="0"/>
+              <a:t>“</a:t>
+            </a:r>
+            <a:r>
+              <a:rPr lang="en-US" altLang="zh-TW" dirty="0" smtClean="0">
+                <a:solidFill>
+                  <a:srgbClr val="FF0000"/>
+                </a:solidFill>
+              </a:rPr>
+              <a:t>{2}</a:t>
+            </a:r>
+            <a:r>
+              <a:rPr lang="zh-TW" altLang="en-US" dirty="0"/>
+              <a:t>的身高是</a:t>
+            </a:r>
+            <a:r>
+              <a:rPr lang="en-US" altLang="zh-TW" dirty="0" smtClean="0">
+                <a:solidFill>
+                  <a:srgbClr val="0070C0"/>
+                </a:solidFill>
+              </a:rPr>
+              <a:t>{1}</a:t>
+            </a:r>
+            <a:r>
+              <a:rPr lang="zh-TW" altLang="en-US" dirty="0"/>
+              <a:t>公分，體重是</a:t>
+            </a:r>
+            <a:r>
+              <a:rPr lang="en-US" altLang="zh-TW" dirty="0" smtClean="0">
+                <a:solidFill>
+                  <a:srgbClr val="7030A0"/>
+                </a:solidFill>
+              </a:rPr>
+              <a:t>{0}</a:t>
+            </a:r>
+            <a:r>
+              <a:rPr lang="zh-TW" altLang="en-US" dirty="0"/>
+              <a:t>公斤</a:t>
+            </a:r>
+            <a:r>
+              <a:rPr lang="en-US" altLang="zh-TW" dirty="0"/>
+              <a:t>”</a:t>
+            </a:r>
+            <a:r>
+              <a:rPr lang="en-US" altLang="zh-TW" dirty="0">
+                <a:solidFill>
+                  <a:srgbClr val="FF0000"/>
+                </a:solidFill>
+              </a:rPr>
+              <a:t>.</a:t>
+            </a:r>
+            <a:r>
+              <a:rPr lang="en-US" altLang="zh-TW" dirty="0" smtClean="0">
+                <a:solidFill>
+                  <a:srgbClr val="FF0000"/>
+                </a:solidFill>
+              </a:rPr>
+              <a:t>format(</a:t>
+            </a:r>
+            <a:r>
+              <a:rPr lang="en-US" altLang="zh-TW" dirty="0">
+                <a:solidFill>
+                  <a:srgbClr val="7030A0"/>
+                </a:solidFill>
+              </a:rPr>
+              <a:t>68</a:t>
+            </a:r>
+            <a:r>
+              <a:rPr lang="en-US" altLang="zh-TW" dirty="0" smtClean="0">
+                <a:solidFill>
+                  <a:srgbClr val="FF0000"/>
+                </a:solidFill>
+              </a:rPr>
+              <a:t>, </a:t>
+            </a:r>
+            <a:r>
+              <a:rPr lang="en-US" altLang="zh-TW" dirty="0">
+                <a:solidFill>
+                  <a:srgbClr val="0070C0"/>
+                </a:solidFill>
+              </a:rPr>
+              <a:t>168</a:t>
+            </a:r>
+            <a:r>
+              <a:rPr lang="en-US" altLang="zh-TW" dirty="0">
+                <a:solidFill>
+                  <a:srgbClr val="FF0000"/>
+                </a:solidFill>
+              </a:rPr>
+              <a:t>, </a:t>
+            </a:r>
+            <a:r>
+              <a:rPr lang="en-US" altLang="zh-TW" dirty="0" smtClean="0">
+                <a:solidFill>
+                  <a:srgbClr val="FF0000"/>
+                </a:solidFill>
+              </a:rPr>
+              <a:t>“</a:t>
+            </a:r>
+            <a:r>
+              <a:rPr lang="zh-TW" altLang="en-US" dirty="0">
+                <a:solidFill>
+                  <a:srgbClr val="FF0000"/>
+                </a:solidFill>
+              </a:rPr>
+              <a:t>劉老師</a:t>
+            </a:r>
+            <a:r>
+              <a:rPr lang="en-US" altLang="zh-TW" dirty="0">
+                <a:solidFill>
+                  <a:srgbClr val="FF0000"/>
+                </a:solidFill>
+              </a:rPr>
+              <a:t>”</a:t>
+            </a:r>
+            <a:r>
+              <a:rPr lang="en-US" altLang="zh-TW" dirty="0" smtClean="0">
+                <a:solidFill>
+                  <a:srgbClr val="FF0000"/>
+                </a:solidFill>
+              </a:rPr>
+              <a:t>)</a:t>
+            </a:r>
+            <a:endParaRPr lang="en-US" altLang="zh-TW" dirty="0">
+              <a:solidFill>
+                <a:srgbClr val="FF0000"/>
+              </a:solidFill>
+            </a:endParaRPr>
+          </a:p>
+          <a:p>
+            <a:r>
+              <a:rPr lang="en-US" altLang="zh-TW" dirty="0">
+                <a:sym typeface="Wingdings" panose="05000000000000000000" pitchFamily="2" charset="2"/>
+              </a:rPr>
+              <a:t> </a:t>
+            </a:r>
+            <a:r>
+              <a:rPr lang="en-US" altLang="zh-TW" dirty="0"/>
+              <a:t>“</a:t>
+            </a:r>
+            <a:r>
+              <a:rPr lang="zh-TW" altLang="en-US" dirty="0">
+                <a:solidFill>
+                  <a:srgbClr val="FF0000"/>
+                </a:solidFill>
+              </a:rPr>
+              <a:t>劉老師</a:t>
+            </a:r>
+            <a:r>
+              <a:rPr lang="zh-TW" altLang="en-US" dirty="0"/>
+              <a:t>的身高是</a:t>
+            </a:r>
+            <a:r>
+              <a:rPr lang="en-US" altLang="zh-TW" dirty="0">
+                <a:solidFill>
+                  <a:srgbClr val="0070C0"/>
+                </a:solidFill>
+              </a:rPr>
+              <a:t>168</a:t>
+            </a:r>
+            <a:r>
+              <a:rPr lang="zh-TW" altLang="en-US" dirty="0"/>
+              <a:t>公分，體重是</a:t>
+            </a:r>
+            <a:r>
+              <a:rPr lang="en-US" altLang="zh-TW" dirty="0">
+                <a:solidFill>
+                  <a:srgbClr val="7030A0"/>
+                </a:solidFill>
+              </a:rPr>
+              <a:t>68</a:t>
+            </a:r>
+            <a:r>
+              <a:rPr lang="zh-TW" altLang="en-US" dirty="0"/>
+              <a:t>公斤</a:t>
+            </a:r>
+            <a:endParaRPr lang="en-US" altLang="zh-TW" dirty="0"/>
+          </a:p>
+          <a:p>
+            <a:endParaRPr lang="en-US" altLang="zh-TW" dirty="0" smtClean="0"/>
+          </a:p>
+          <a:p>
+            <a:r>
+              <a:rPr lang="zh-TW" altLang="en-US" dirty="0"/>
+              <a:t>搭配其他附加格式的寫法</a:t>
+            </a:r>
+            <a:r>
+              <a:rPr lang="zh-TW" altLang="en-US" dirty="0" smtClean="0"/>
+              <a:t>：</a:t>
+            </a:r>
+            <a:endParaRPr lang="en-US" altLang="zh-TW" dirty="0" smtClean="0"/>
+          </a:p>
+          <a:p>
+            <a:pPr lvl="1"/>
+            <a:r>
+              <a:rPr lang="en-US" altLang="zh-TW" dirty="0" smtClean="0"/>
+              <a:t>{0:7d}</a:t>
+            </a:r>
+          </a:p>
+          <a:p>
+            <a:pPr lvl="1"/>
+            <a:r>
+              <a:rPr lang="en-US" altLang="zh-TW" dirty="0" smtClean="0"/>
+              <a:t>{2:10s}</a:t>
+            </a:r>
+          </a:p>
+          <a:p>
+            <a:pPr lvl="1"/>
+            <a:r>
+              <a:rPr lang="en-US" altLang="zh-TW" dirty="0" smtClean="0"/>
+              <a:t>{1:&lt;8.3f}</a:t>
+            </a:r>
+          </a:p>
+          <a:p>
+            <a:pPr lvl="1"/>
+            <a:r>
+              <a:rPr lang="zh-TW" altLang="en-US" dirty="0"/>
+              <a:t>簡單說</a:t>
+            </a:r>
+            <a:r>
+              <a:rPr lang="zh-TW" altLang="en-US" dirty="0" smtClean="0"/>
+              <a:t>就是加上</a:t>
+            </a:r>
+            <a:r>
+              <a:rPr lang="en-US" altLang="zh-TW" dirty="0" smtClean="0"/>
+              <a:t>”</a:t>
+            </a:r>
+            <a:r>
+              <a:rPr lang="zh-TW" altLang="en-US" sz="1800" b="1" dirty="0" smtClean="0"/>
+              <a:t>編號：</a:t>
+            </a:r>
+            <a:r>
+              <a:rPr lang="en-US" altLang="zh-TW" dirty="0" smtClean="0"/>
+              <a:t>”</a:t>
+            </a:r>
+            <a:endParaRPr lang="zh-TW" altLang="en-US" dirty="0"/>
+          </a:p>
+        </p:txBody>
+      </p:sp>
+      <p:sp>
+        <p:nvSpPr>
+          <p:cNvPr id="4" name="弧形 3"/>
+          <p:cNvSpPr/>
+          <p:nvPr/>
+        </p:nvSpPr>
+        <p:spPr>
+          <a:xfrm>
+            <a:off x="1372266" y="1849731"/>
+            <a:ext cx="5823396" cy="1468326"/>
+          </a:xfrm>
+          <a:prstGeom prst="arc">
+            <a:avLst>
+              <a:gd name="adj1" fmla="val 10797520"/>
+              <a:gd name="adj2" fmla="val 0"/>
+            </a:avLst>
+          </a:prstGeom>
+          <a:ln w="28575">
+            <a:solidFill>
+              <a:srgbClr val="FF0000"/>
+            </a:solidFill>
+            <a:headEnd type="triangle" w="med" len="med"/>
+            <a:tailEnd type="none" w="med" len="med"/>
+          </a:ln>
+        </p:spPr>
+        <p:style>
+          <a:lnRef idx="1">
+            <a:schemeClr val="accent1"/>
+          </a:lnRef>
+          <a:fillRef idx="0">
+            <a:schemeClr val="accent1"/>
+          </a:fillRef>
+          <a:effectRef idx="0">
+            <a:schemeClr val="accent1"/>
+          </a:effectRef>
+          <a:fontRef idx="minor">
+            <a:schemeClr val="tx1"/>
+          </a:fontRef>
+        </p:style>
+        <p:txBody>
+          <a:bodyPr rtlCol="0" anchor="ctr"/>
+          <a:lstStyle/>
+          <a:p>
+            <a:pPr algn="ctr"/>
+            <a:endParaRPr lang="zh-TW" altLang="en-US"/>
+          </a:p>
+        </p:txBody>
+      </p:sp>
+      <p:sp>
+        <p:nvSpPr>
+          <p:cNvPr id="5" name="弧形 4"/>
+          <p:cNvSpPr/>
+          <p:nvPr/>
+        </p:nvSpPr>
+        <p:spPr>
+          <a:xfrm>
+            <a:off x="2532888" y="2066545"/>
+            <a:ext cx="3858768" cy="1034698"/>
+          </a:xfrm>
+          <a:prstGeom prst="arc">
+            <a:avLst>
+              <a:gd name="adj1" fmla="val 10797520"/>
+              <a:gd name="adj2" fmla="val 0"/>
+            </a:avLst>
+          </a:prstGeom>
+          <a:ln w="28575">
+            <a:solidFill>
+              <a:srgbClr val="0070C0"/>
+            </a:solidFill>
+            <a:headEnd type="triangle" w="med" len="med"/>
+            <a:tailEnd type="none" w="med" len="med"/>
+          </a:ln>
+        </p:spPr>
+        <p:style>
+          <a:lnRef idx="1">
+            <a:schemeClr val="accent1"/>
+          </a:lnRef>
+          <a:fillRef idx="0">
+            <a:schemeClr val="accent1"/>
+          </a:fillRef>
+          <a:effectRef idx="0">
+            <a:schemeClr val="accent1"/>
+          </a:effectRef>
+          <a:fontRef idx="minor">
+            <a:schemeClr val="tx1"/>
+          </a:fontRef>
+        </p:style>
+        <p:txBody>
+          <a:bodyPr rtlCol="0" anchor="ctr"/>
+          <a:lstStyle/>
+          <a:p>
+            <a:pPr algn="ctr"/>
+            <a:endParaRPr lang="zh-TW" altLang="en-US"/>
+          </a:p>
+        </p:txBody>
+      </p:sp>
+      <p:sp>
+        <p:nvSpPr>
+          <p:cNvPr id="6" name="弧形 5"/>
+          <p:cNvSpPr/>
+          <p:nvPr/>
+        </p:nvSpPr>
+        <p:spPr>
+          <a:xfrm>
+            <a:off x="4283964" y="2304288"/>
+            <a:ext cx="1641348" cy="796955"/>
+          </a:xfrm>
+          <a:prstGeom prst="arc">
+            <a:avLst>
+              <a:gd name="adj1" fmla="val 10995363"/>
+              <a:gd name="adj2" fmla="val 21288336"/>
+            </a:avLst>
+          </a:prstGeom>
+          <a:ln w="28575">
+            <a:solidFill>
+              <a:srgbClr val="7030A0"/>
+            </a:solidFill>
+            <a:headEnd type="triangle" w="med" len="med"/>
+            <a:tailEnd type="none" w="med" len="med"/>
+          </a:ln>
+        </p:spPr>
+        <p:style>
+          <a:lnRef idx="1">
+            <a:schemeClr val="accent1"/>
+          </a:lnRef>
+          <a:fillRef idx="0">
+            <a:schemeClr val="accent1"/>
+          </a:fillRef>
+          <a:effectRef idx="0">
+            <a:schemeClr val="accent1"/>
+          </a:effectRef>
+          <a:fontRef idx="minor">
+            <a:schemeClr val="tx1"/>
+          </a:fontRef>
+        </p:style>
+        <p:txBody>
+          <a:bodyPr rtlCol="0" anchor="ctr"/>
+          <a:lstStyle/>
+          <a:p>
+            <a:pPr algn="ctr"/>
+            <a:endParaRPr lang="zh-TW" altLang="en-US"/>
+          </a:p>
+        </p:txBody>
+      </p:sp>
+    </p:spTree>
+    <p:extLst>
+      <p:ext uri="{BB962C8B-B14F-4D97-AF65-F5344CB8AC3E}">
+        <p14:creationId xmlns:p14="http://schemas.microsoft.com/office/powerpoint/2010/main" val="3078842073"/>
+      </p:ext>
+    </p:extLst>
+  </p:cSld>
+  <p:clrMapOvr>
+    <a:masterClrMapping/>
+  </p:clrMapOvr>
+</p:sld>
+</file>
+
+<file path=ppt/slides/slide12.xml><?xml version="1.0" encoding="utf-8"?>
+<p:sld xmlns:a="http://schemas.openxmlformats.org/drawingml/2006/main" xmlns:r="http://schemas.openxmlformats.org/officeDocument/2006/relationships" xmlns:p="http://schemas.openxmlformats.org/presentationml/2006/main">
+  <p:cSld>
+    <p:spTree>
+      <p:nvGrpSpPr>
+        <p:cNvPr id="1" name=""/>
+        <p:cNvGrpSpPr/>
+        <p:nvPr/>
+      </p:nvGrpSpPr>
+      <p:grpSpPr>
+        <a:xfrm>
+          <a:off x="0" y="0"/>
+          <a:ext cx="0" cy="0"/>
+          <a:chOff x="0" y="0"/>
+          <a:chExt cx="0" cy="0"/>
+        </a:xfrm>
+      </p:grpSpPr>
+      <p:sp>
+        <p:nvSpPr>
+          <p:cNvPr id="2" name="標題 1"/>
+          <p:cNvSpPr>
+            <a:spLocks noGrp="1"/>
+          </p:cNvSpPr>
+          <p:nvPr>
+            <p:ph type="title"/>
+          </p:nvPr>
+        </p:nvSpPr>
+        <p:spPr/>
+        <p:txBody>
+          <a:bodyPr/>
+          <a:lstStyle/>
+          <a:p>
+            <a:r>
+              <a:rPr lang="zh-TW" altLang="en-US" dirty="0"/>
+              <a:t>特別加強款</a:t>
+            </a:r>
+            <a:r>
+              <a:rPr lang="en-US" altLang="zh-TW" dirty="0"/>
+              <a:t/>
+            </a:r>
+            <a:br>
+              <a:rPr lang="en-US" altLang="zh-TW" dirty="0"/>
+            </a:br>
+            <a:r>
+              <a:rPr lang="zh-TW" altLang="en-US" dirty="0"/>
+              <a:t>順序可</a:t>
+            </a:r>
+            <a:r>
+              <a:rPr lang="zh-TW" altLang="en-US" dirty="0" smtClean="0"/>
+              <a:t>換進階版！具名參數</a:t>
+            </a:r>
+            <a:endParaRPr lang="zh-TW" altLang="en-US" dirty="0"/>
+          </a:p>
+        </p:txBody>
+      </p:sp>
+      <p:sp>
+        <p:nvSpPr>
+          <p:cNvPr id="3" name="內容版面配置區 2"/>
+          <p:cNvSpPr>
+            <a:spLocks noGrp="1"/>
+          </p:cNvSpPr>
+          <p:nvPr>
+            <p:ph idx="1"/>
+          </p:nvPr>
+        </p:nvSpPr>
+        <p:spPr>
+          <a:xfrm>
+            <a:off x="677334" y="2160589"/>
+            <a:ext cx="8933010" cy="3880773"/>
+          </a:xfrm>
+        </p:spPr>
+        <p:txBody>
+          <a:bodyPr/>
+          <a:lstStyle/>
+          <a:p>
+            <a:endParaRPr lang="en-US" altLang="zh-TW" dirty="0" smtClean="0"/>
+          </a:p>
+          <a:p>
+            <a:r>
+              <a:rPr lang="en-US" altLang="zh-TW" dirty="0" smtClean="0"/>
+              <a:t>“</a:t>
+            </a:r>
+            <a:r>
+              <a:rPr lang="en-US" altLang="zh-TW" dirty="0" smtClean="0">
+                <a:solidFill>
+                  <a:srgbClr val="FF0000"/>
+                </a:solidFill>
+              </a:rPr>
+              <a:t>{name}</a:t>
+            </a:r>
+            <a:r>
+              <a:rPr lang="zh-TW" altLang="en-US" dirty="0"/>
+              <a:t>的身高是</a:t>
+            </a:r>
+            <a:r>
+              <a:rPr lang="en-US" altLang="zh-TW" dirty="0" smtClean="0">
+                <a:solidFill>
+                  <a:srgbClr val="0070C0"/>
+                </a:solidFill>
+              </a:rPr>
+              <a:t>{h}</a:t>
+            </a:r>
+            <a:r>
+              <a:rPr lang="zh-TW" altLang="en-US" dirty="0"/>
+              <a:t>公分，體重是</a:t>
+            </a:r>
+            <a:r>
+              <a:rPr lang="en-US" altLang="zh-TW" dirty="0" smtClean="0">
+                <a:solidFill>
+                  <a:srgbClr val="7030A0"/>
+                </a:solidFill>
+              </a:rPr>
+              <a:t>{w}</a:t>
+            </a:r>
+            <a:r>
+              <a:rPr lang="zh-TW" altLang="en-US" dirty="0"/>
+              <a:t>公斤</a:t>
+            </a:r>
+            <a:r>
+              <a:rPr lang="en-US" altLang="zh-TW" dirty="0"/>
+              <a:t>”</a:t>
+            </a:r>
+            <a:r>
+              <a:rPr lang="en-US" altLang="zh-TW" dirty="0">
+                <a:solidFill>
+                  <a:srgbClr val="FF0000"/>
+                </a:solidFill>
+              </a:rPr>
+              <a:t>.</a:t>
+            </a:r>
+            <a:r>
+              <a:rPr lang="en-US" altLang="zh-TW" dirty="0" smtClean="0">
+                <a:solidFill>
+                  <a:srgbClr val="FF0000"/>
+                </a:solidFill>
+              </a:rPr>
+              <a:t>format(w=</a:t>
+            </a:r>
+            <a:r>
+              <a:rPr lang="en-US" altLang="zh-TW" dirty="0" smtClean="0">
+                <a:solidFill>
+                  <a:srgbClr val="7030A0"/>
+                </a:solidFill>
+              </a:rPr>
+              <a:t>68</a:t>
+            </a:r>
+            <a:r>
+              <a:rPr lang="en-US" altLang="zh-TW" dirty="0" smtClean="0">
+                <a:solidFill>
+                  <a:srgbClr val="FF0000"/>
+                </a:solidFill>
+              </a:rPr>
+              <a:t>, name=“</a:t>
+            </a:r>
+            <a:r>
+              <a:rPr lang="zh-TW" altLang="en-US" dirty="0">
+                <a:solidFill>
+                  <a:srgbClr val="FF0000"/>
+                </a:solidFill>
+              </a:rPr>
+              <a:t>劉老師</a:t>
+            </a:r>
+            <a:r>
+              <a:rPr lang="en-US" altLang="zh-TW" dirty="0" smtClean="0">
+                <a:solidFill>
+                  <a:srgbClr val="FF0000"/>
+                </a:solidFill>
+              </a:rPr>
+              <a:t>”</a:t>
+            </a:r>
+            <a:r>
+              <a:rPr lang="en-US" altLang="zh-TW" dirty="0">
+                <a:solidFill>
+                  <a:srgbClr val="FF0000"/>
+                </a:solidFill>
+              </a:rPr>
+              <a:t> , h=</a:t>
+            </a:r>
+            <a:r>
+              <a:rPr lang="en-US" altLang="zh-TW" dirty="0">
+                <a:solidFill>
+                  <a:srgbClr val="0070C0"/>
+                </a:solidFill>
+              </a:rPr>
+              <a:t>168</a:t>
+            </a:r>
+            <a:r>
+              <a:rPr lang="en-US" altLang="zh-TW" dirty="0" smtClean="0">
+                <a:solidFill>
+                  <a:srgbClr val="FF0000"/>
+                </a:solidFill>
+              </a:rPr>
+              <a:t>)</a:t>
+            </a:r>
+            <a:endParaRPr lang="en-US" altLang="zh-TW" dirty="0">
+              <a:solidFill>
+                <a:srgbClr val="FF0000"/>
+              </a:solidFill>
+            </a:endParaRPr>
+          </a:p>
+          <a:p>
+            <a:r>
+              <a:rPr lang="en-US" altLang="zh-TW" dirty="0">
+                <a:sym typeface="Wingdings" panose="05000000000000000000" pitchFamily="2" charset="2"/>
+              </a:rPr>
+              <a:t> </a:t>
+            </a:r>
+            <a:r>
+              <a:rPr lang="en-US" altLang="zh-TW" dirty="0"/>
+              <a:t>“</a:t>
+            </a:r>
+            <a:r>
+              <a:rPr lang="zh-TW" altLang="en-US" dirty="0">
+                <a:solidFill>
+                  <a:srgbClr val="FF0000"/>
+                </a:solidFill>
+              </a:rPr>
+              <a:t>劉老師</a:t>
+            </a:r>
+            <a:r>
+              <a:rPr lang="zh-TW" altLang="en-US" dirty="0"/>
+              <a:t>的身高是</a:t>
+            </a:r>
+            <a:r>
+              <a:rPr lang="en-US" altLang="zh-TW" dirty="0">
+                <a:solidFill>
+                  <a:srgbClr val="0070C0"/>
+                </a:solidFill>
+              </a:rPr>
+              <a:t>168</a:t>
+            </a:r>
+            <a:r>
+              <a:rPr lang="zh-TW" altLang="en-US" dirty="0"/>
+              <a:t>公分，體重是</a:t>
+            </a:r>
+            <a:r>
+              <a:rPr lang="en-US" altLang="zh-TW" dirty="0">
+                <a:solidFill>
+                  <a:srgbClr val="7030A0"/>
+                </a:solidFill>
+              </a:rPr>
+              <a:t>68</a:t>
+            </a:r>
+            <a:r>
+              <a:rPr lang="zh-TW" altLang="en-US" dirty="0"/>
+              <a:t>公斤</a:t>
+            </a:r>
+            <a:endParaRPr lang="en-US" altLang="zh-TW" dirty="0"/>
+          </a:p>
+          <a:p>
+            <a:endParaRPr lang="en-US" altLang="zh-TW" dirty="0"/>
+          </a:p>
+          <a:p>
+            <a:r>
+              <a:rPr lang="zh-TW" altLang="en-US" dirty="0"/>
+              <a:t>搭配其他附加格式的寫法：</a:t>
+            </a:r>
+            <a:endParaRPr lang="en-US" altLang="zh-TW" dirty="0"/>
+          </a:p>
+          <a:p>
+            <a:pPr lvl="1"/>
+            <a:r>
+              <a:rPr lang="en-US" altLang="zh-TW" dirty="0" smtClean="0"/>
+              <a:t>{</a:t>
+            </a:r>
+            <a:r>
+              <a:rPr lang="en-US" altLang="zh-TW" b="1" dirty="0" smtClean="0"/>
+              <a:t>high:</a:t>
+            </a:r>
+            <a:r>
+              <a:rPr lang="en-US" altLang="zh-TW" dirty="0" smtClean="0"/>
+              <a:t>7d</a:t>
+            </a:r>
+            <a:r>
+              <a:rPr lang="en-US" altLang="zh-TW" dirty="0"/>
+              <a:t>}</a:t>
+            </a:r>
+          </a:p>
+          <a:p>
+            <a:pPr lvl="1"/>
+            <a:r>
+              <a:rPr lang="en-US" altLang="zh-TW" dirty="0" smtClean="0"/>
+              <a:t>{</a:t>
+            </a:r>
+            <a:r>
+              <a:rPr lang="en-US" altLang="zh-TW" b="1" dirty="0" smtClean="0"/>
+              <a:t>name:</a:t>
+            </a:r>
+            <a:r>
+              <a:rPr lang="en-US" altLang="zh-TW" dirty="0" smtClean="0"/>
+              <a:t>10s</a:t>
+            </a:r>
+            <a:r>
+              <a:rPr lang="en-US" altLang="zh-TW" dirty="0"/>
+              <a:t>}</a:t>
+            </a:r>
+          </a:p>
+          <a:p>
+            <a:pPr lvl="1"/>
+            <a:r>
+              <a:rPr lang="en-US" altLang="zh-TW" dirty="0" smtClean="0"/>
+              <a:t>{</a:t>
+            </a:r>
+            <a:r>
+              <a:rPr lang="en-US" altLang="zh-TW" b="1" dirty="0" smtClean="0"/>
+              <a:t>w:</a:t>
+            </a:r>
+            <a:r>
+              <a:rPr lang="en-US" altLang="zh-TW" dirty="0" smtClean="0"/>
+              <a:t>&lt;8.3f</a:t>
+            </a:r>
+            <a:r>
+              <a:rPr lang="en-US" altLang="zh-TW" dirty="0"/>
+              <a:t>}</a:t>
+            </a:r>
+          </a:p>
+          <a:p>
+            <a:pPr lvl="1"/>
+            <a:r>
+              <a:rPr lang="zh-TW" altLang="en-US" dirty="0"/>
+              <a:t>簡單說就是加上</a:t>
+            </a:r>
+            <a:r>
+              <a:rPr lang="en-US" altLang="zh-TW" dirty="0" smtClean="0"/>
+              <a:t>”</a:t>
+            </a:r>
+            <a:r>
+              <a:rPr lang="zh-TW" altLang="en-US" sz="1800" b="1" dirty="0"/>
+              <a:t>參數名稱</a:t>
+            </a:r>
+            <a:r>
+              <a:rPr lang="zh-TW" altLang="en-US" sz="1800" b="1" dirty="0" smtClean="0"/>
+              <a:t>：</a:t>
+            </a:r>
+            <a:r>
+              <a:rPr lang="en-US" altLang="zh-TW" dirty="0" smtClean="0"/>
+              <a:t>”</a:t>
+            </a:r>
+            <a:endParaRPr lang="zh-TW" altLang="en-US" dirty="0"/>
+          </a:p>
+          <a:p>
+            <a:endParaRPr lang="zh-TW" altLang="en-US" dirty="0"/>
+          </a:p>
+        </p:txBody>
+      </p:sp>
+      <p:sp>
+        <p:nvSpPr>
+          <p:cNvPr id="4" name="弧形 3"/>
+          <p:cNvSpPr/>
+          <p:nvPr/>
+        </p:nvSpPr>
+        <p:spPr>
+          <a:xfrm>
+            <a:off x="1372266" y="1849730"/>
+            <a:ext cx="6500718" cy="1533550"/>
+          </a:xfrm>
+          <a:prstGeom prst="arc">
+            <a:avLst>
+              <a:gd name="adj1" fmla="val 10797520"/>
+              <a:gd name="adj2" fmla="val 0"/>
+            </a:avLst>
+          </a:prstGeom>
+          <a:ln w="28575">
+            <a:solidFill>
+              <a:srgbClr val="FF0000"/>
+            </a:solidFill>
+            <a:headEnd type="triangle" w="med" len="med"/>
+            <a:tailEnd type="none" w="med" len="med"/>
+          </a:ln>
+        </p:spPr>
+        <p:style>
+          <a:lnRef idx="1">
+            <a:schemeClr val="accent1"/>
+          </a:lnRef>
+          <a:fillRef idx="0">
+            <a:schemeClr val="accent1"/>
+          </a:fillRef>
+          <a:effectRef idx="0">
+            <a:schemeClr val="accent1"/>
+          </a:effectRef>
+          <a:fontRef idx="minor">
+            <a:schemeClr val="tx1"/>
+          </a:fontRef>
+        </p:style>
+        <p:txBody>
+          <a:bodyPr rtlCol="0" anchor="ctr"/>
+          <a:lstStyle/>
+          <a:p>
+            <a:pPr algn="ctr"/>
+            <a:endParaRPr lang="zh-TW" altLang="en-US"/>
+          </a:p>
+        </p:txBody>
+      </p:sp>
+      <p:sp>
+        <p:nvSpPr>
+          <p:cNvPr id="5" name="弧形 4"/>
+          <p:cNvSpPr/>
+          <p:nvPr/>
+        </p:nvSpPr>
+        <p:spPr>
+          <a:xfrm>
+            <a:off x="2532888" y="2066544"/>
+            <a:ext cx="6629400" cy="1103985"/>
+          </a:xfrm>
+          <a:prstGeom prst="arc">
+            <a:avLst>
+              <a:gd name="adj1" fmla="val 10797520"/>
+              <a:gd name="adj2" fmla="val 0"/>
+            </a:avLst>
+          </a:prstGeom>
+          <a:ln w="28575">
+            <a:solidFill>
+              <a:srgbClr val="0070C0"/>
+            </a:solidFill>
+            <a:headEnd type="triangle" w="med" len="med"/>
+            <a:tailEnd type="none" w="med" len="med"/>
+          </a:ln>
+        </p:spPr>
+        <p:style>
+          <a:lnRef idx="1">
+            <a:schemeClr val="accent1"/>
+          </a:lnRef>
+          <a:fillRef idx="0">
+            <a:schemeClr val="accent1"/>
+          </a:fillRef>
+          <a:effectRef idx="0">
+            <a:schemeClr val="accent1"/>
+          </a:effectRef>
+          <a:fontRef idx="minor">
+            <a:schemeClr val="tx1"/>
+          </a:fontRef>
+        </p:style>
+        <p:txBody>
+          <a:bodyPr rtlCol="0" anchor="ctr"/>
+          <a:lstStyle/>
+          <a:p>
+            <a:pPr algn="ctr"/>
+            <a:endParaRPr lang="zh-TW" altLang="en-US"/>
+          </a:p>
+        </p:txBody>
+      </p:sp>
+      <p:sp>
+        <p:nvSpPr>
+          <p:cNvPr id="6" name="弧形 5"/>
+          <p:cNvSpPr/>
+          <p:nvPr/>
+        </p:nvSpPr>
+        <p:spPr>
+          <a:xfrm>
+            <a:off x="4805172" y="2304288"/>
+            <a:ext cx="1851660" cy="796955"/>
+          </a:xfrm>
+          <a:prstGeom prst="arc">
+            <a:avLst>
+              <a:gd name="adj1" fmla="val 10995363"/>
+              <a:gd name="adj2" fmla="val 21288336"/>
+            </a:avLst>
+          </a:prstGeom>
+          <a:ln w="28575">
+            <a:solidFill>
+              <a:srgbClr val="7030A0"/>
+            </a:solidFill>
+            <a:headEnd type="triangle" w="med" len="med"/>
+            <a:tailEnd type="none" w="med" len="med"/>
+          </a:ln>
+        </p:spPr>
+        <p:style>
+          <a:lnRef idx="1">
+            <a:schemeClr val="accent1"/>
+          </a:lnRef>
+          <a:fillRef idx="0">
+            <a:schemeClr val="accent1"/>
+          </a:fillRef>
+          <a:effectRef idx="0">
+            <a:schemeClr val="accent1"/>
+          </a:effectRef>
+          <a:fontRef idx="minor">
+            <a:schemeClr val="tx1"/>
+          </a:fontRef>
+        </p:style>
+        <p:txBody>
+          <a:bodyPr rtlCol="0" anchor="ctr"/>
+          <a:lstStyle/>
+          <a:p>
+            <a:pPr algn="ctr"/>
+            <a:endParaRPr lang="zh-TW" altLang="en-US"/>
+          </a:p>
+        </p:txBody>
+      </p:sp>
+    </p:spTree>
+    <p:extLst>
+      <p:ext uri="{BB962C8B-B14F-4D97-AF65-F5344CB8AC3E}">
+        <p14:creationId xmlns:p14="http://schemas.microsoft.com/office/powerpoint/2010/main" val="3652322446"/>
+      </p:ext>
+    </p:extLst>
+  </p:cSld>
+  <p:clrMapOvr>
+    <a:masterClrMapping/>
+  </p:clrMapOvr>
+</p:sld>
+</file>
+
+<file path=ppt/slides/slide13.xml><?xml version="1.0" encoding="utf-8"?>
+<p:sld xmlns:a="http://schemas.openxmlformats.org/drawingml/2006/main" xmlns:r="http://schemas.openxmlformats.org/officeDocument/2006/relationships" xmlns:p="http://schemas.openxmlformats.org/presentationml/2006/main">
+  <p:cSld>
+    <p:spTree>
+      <p:nvGrpSpPr>
+        <p:cNvPr id="1" name=""/>
+        <p:cNvGrpSpPr/>
+        <p:nvPr/>
+      </p:nvGrpSpPr>
+      <p:grpSpPr>
+        <a:xfrm>
+          <a:off x="0" y="0"/>
+          <a:ext cx="0" cy="0"/>
+          <a:chOff x="0" y="0"/>
+          <a:chExt cx="0" cy="0"/>
+        </a:xfrm>
+      </p:grpSpPr>
+      <p:sp>
+        <p:nvSpPr>
+          <p:cNvPr id="4" name="標題 3"/>
+          <p:cNvSpPr>
+            <a:spLocks noGrp="1"/>
+          </p:cNvSpPr>
+          <p:nvPr>
+            <p:ph type="title"/>
+          </p:nvPr>
+        </p:nvSpPr>
+        <p:spPr/>
+        <p:txBody>
+          <a:bodyPr/>
+          <a:lstStyle/>
+          <a:p>
+            <a:r>
+              <a:rPr lang="en-US" altLang="zh-TW" dirty="0" smtClean="0"/>
+              <a:t>Python 3.6x</a:t>
+            </a:r>
+            <a:r>
+              <a:rPr lang="zh-TW" altLang="en-US" dirty="0" smtClean="0"/>
+              <a:t>後的再加強版！</a:t>
+            </a:r>
+            <a:endParaRPr lang="zh-TW" altLang="en-US" dirty="0"/>
+          </a:p>
+        </p:txBody>
+      </p:sp>
+      <p:sp>
+        <p:nvSpPr>
+          <p:cNvPr id="5" name="文字版面配置區 4"/>
+          <p:cNvSpPr>
+            <a:spLocks noGrp="1"/>
+          </p:cNvSpPr>
+          <p:nvPr>
+            <p:ph type="body" idx="1"/>
+          </p:nvPr>
+        </p:nvSpPr>
+        <p:spPr/>
+        <p:txBody>
+          <a:bodyPr/>
+          <a:lstStyle/>
+          <a:p>
+            <a:r>
+              <a:rPr lang="zh-TW" altLang="en-US" dirty="0" smtClean="0"/>
+              <a:t>記得</a:t>
+            </a:r>
+            <a:r>
+              <a:rPr lang="en-US" altLang="zh-TW" dirty="0" smtClean="0"/>
+              <a:t>!</a:t>
+            </a:r>
+            <a:r>
+              <a:rPr lang="zh-TW" altLang="en-US" dirty="0" smtClean="0"/>
+              <a:t>只有</a:t>
+            </a:r>
+            <a:r>
+              <a:rPr lang="en-US" altLang="zh-TW" dirty="0" smtClean="0"/>
+              <a:t>3.6x</a:t>
+            </a:r>
+            <a:r>
+              <a:rPr lang="zh-TW" altLang="en-US" dirty="0" smtClean="0"/>
+              <a:t>版以後才有！</a:t>
+            </a:r>
+            <a:endParaRPr lang="zh-TW" altLang="en-US" dirty="0"/>
+          </a:p>
+        </p:txBody>
+      </p:sp>
+    </p:spTree>
+    <p:extLst>
+      <p:ext uri="{BB962C8B-B14F-4D97-AF65-F5344CB8AC3E}">
+        <p14:creationId xmlns:p14="http://schemas.microsoft.com/office/powerpoint/2010/main" val="2622562412"/>
+      </p:ext>
+    </p:extLst>
+  </p:cSld>
+  <p:clrMapOvr>
+    <a:masterClrMapping/>
+  </p:clrMapOvr>
+</p:sld>
+</file>
+
+<file path=ppt/slides/slide14.xml><?xml version="1.0" encoding="utf-8"?>
+<p:sld xmlns:a="http://schemas.openxmlformats.org/drawingml/2006/main" xmlns:r="http://schemas.openxmlformats.org/officeDocument/2006/relationships" xmlns:p="http://schemas.openxmlformats.org/presentationml/2006/main">
+  <p:cSld>
+    <p:spTree>
+      <p:nvGrpSpPr>
+        <p:cNvPr id="1" name=""/>
+        <p:cNvGrpSpPr/>
+        <p:nvPr/>
+      </p:nvGrpSpPr>
+      <p:grpSpPr>
+        <a:xfrm>
+          <a:off x="0" y="0"/>
+          <a:ext cx="0" cy="0"/>
+          <a:chOff x="0" y="0"/>
+          <a:chExt cx="0" cy="0"/>
+        </a:xfrm>
+      </p:grpSpPr>
+      <p:sp>
+        <p:nvSpPr>
+          <p:cNvPr id="2" name="標題 1"/>
+          <p:cNvSpPr>
+            <a:spLocks noGrp="1"/>
+          </p:cNvSpPr>
+          <p:nvPr>
+            <p:ph type="title"/>
+          </p:nvPr>
+        </p:nvSpPr>
+        <p:spPr/>
+        <p:txBody>
+          <a:bodyPr/>
+          <a:lstStyle/>
+          <a:p>
+            <a:r>
+              <a:rPr lang="zh-TW" altLang="en-US" dirty="0" smtClean="0"/>
+              <a:t>字串前加</a:t>
+            </a:r>
+            <a:r>
+              <a:rPr lang="en-US" altLang="zh-TW" dirty="0" smtClean="0">
+                <a:solidFill>
+                  <a:srgbClr val="FF0000"/>
+                </a:solidFill>
+              </a:rPr>
+              <a:t>f</a:t>
+            </a:r>
+            <a:endParaRPr lang="zh-TW" altLang="en-US" dirty="0">
+              <a:solidFill>
+                <a:srgbClr val="FF0000"/>
+              </a:solidFill>
+            </a:endParaRPr>
+          </a:p>
+        </p:txBody>
+      </p:sp>
+      <p:sp>
+        <p:nvSpPr>
+          <p:cNvPr id="3" name="內容版面配置區 2"/>
+          <p:cNvSpPr>
+            <a:spLocks noGrp="1"/>
+          </p:cNvSpPr>
+          <p:nvPr>
+            <p:ph idx="1"/>
+          </p:nvPr>
+        </p:nvSpPr>
+        <p:spPr/>
+        <p:txBody>
+          <a:bodyPr/>
+          <a:lstStyle/>
+          <a:p>
+            <a:r>
+              <a:rPr lang="zh-TW" altLang="en-US" dirty="0"/>
+              <a:t>用</a:t>
+            </a:r>
+            <a:r>
+              <a:rPr lang="en-US" altLang="zh-TW" dirty="0" smtClean="0"/>
+              <a:t>.format()</a:t>
+            </a:r>
+            <a:r>
+              <a:rPr lang="zh-TW" altLang="en-US" dirty="0" smtClean="0"/>
+              <a:t>太囉嗦了</a:t>
+            </a:r>
+            <a:r>
+              <a:rPr lang="en-US" altLang="zh-TW" dirty="0" smtClean="0"/>
+              <a:t>!</a:t>
+            </a:r>
+          </a:p>
+          <a:p>
+            <a:r>
+              <a:rPr lang="zh-TW" altLang="en-US" dirty="0"/>
+              <a:t>偷懶工程師出招了</a:t>
+            </a:r>
+            <a:r>
+              <a:rPr lang="zh-TW" altLang="en-US" dirty="0" smtClean="0"/>
+              <a:t>！</a:t>
+            </a:r>
+            <a:endParaRPr lang="en-US" altLang="zh-TW" dirty="0" smtClean="0"/>
+          </a:p>
+          <a:p>
+            <a:r>
+              <a:rPr lang="zh-TW" altLang="en-US" dirty="0"/>
+              <a:t>變數直接帶入</a:t>
+            </a:r>
+            <a:r>
+              <a:rPr lang="en-US" altLang="zh-TW" dirty="0"/>
+              <a:t>!</a:t>
+            </a:r>
+            <a:endParaRPr lang="zh-TW" altLang="en-US" dirty="0"/>
+          </a:p>
+        </p:txBody>
+      </p:sp>
+      <p:sp>
+        <p:nvSpPr>
+          <p:cNvPr id="4" name="矩形 3"/>
+          <p:cNvSpPr/>
+          <p:nvPr/>
+        </p:nvSpPr>
+        <p:spPr>
+          <a:xfrm>
+            <a:off x="1676400" y="3676549"/>
+            <a:ext cx="7028688" cy="1631216"/>
+          </a:xfrm>
+          <a:prstGeom prst="rect">
+            <a:avLst/>
+          </a:prstGeom>
+          <a:solidFill>
+            <a:schemeClr val="bg2">
+              <a:lumMod val="25000"/>
+            </a:schemeClr>
+          </a:solidFill>
+        </p:spPr>
+        <p:txBody>
+          <a:bodyPr wrap="square">
+            <a:spAutoFit/>
+          </a:bodyPr>
+          <a:lstStyle/>
+          <a:p>
+            <a:r>
+              <a:rPr lang="zh-TW" altLang="en-US" dirty="0">
+                <a:solidFill>
+                  <a:schemeClr val="bg1"/>
+                </a:solidFill>
+              </a:rPr>
+              <a:t>name="劉老師"</a:t>
+            </a:r>
+          </a:p>
+          <a:p>
+            <a:r>
+              <a:rPr lang="zh-TW" altLang="en-US" dirty="0">
+                <a:solidFill>
+                  <a:schemeClr val="bg1"/>
+                </a:solidFill>
+              </a:rPr>
+              <a:t>height=168</a:t>
+            </a:r>
+          </a:p>
+          <a:p>
+            <a:r>
+              <a:rPr lang="zh-TW" altLang="en-US" dirty="0">
+                <a:solidFill>
+                  <a:schemeClr val="bg1"/>
+                </a:solidFill>
+              </a:rPr>
+              <a:t>weight=68</a:t>
+            </a:r>
+          </a:p>
+          <a:p>
+            <a:endParaRPr lang="zh-TW" altLang="en-US" dirty="0">
+              <a:solidFill>
+                <a:schemeClr val="bg1"/>
+              </a:solidFill>
+            </a:endParaRPr>
+          </a:p>
+          <a:p>
+            <a:r>
+              <a:rPr lang="zh-TW" altLang="en-US" dirty="0">
+                <a:solidFill>
+                  <a:schemeClr val="bg1"/>
+                </a:solidFill>
+              </a:rPr>
+              <a:t>print(</a:t>
+            </a:r>
+            <a:r>
+              <a:rPr lang="zh-TW" altLang="en-US" sz="2800" b="1" dirty="0">
+                <a:solidFill>
+                  <a:srgbClr val="FFFF00"/>
+                </a:solidFill>
+              </a:rPr>
+              <a:t>f</a:t>
+            </a:r>
+            <a:r>
+              <a:rPr lang="zh-TW" altLang="en-US" dirty="0">
+                <a:solidFill>
+                  <a:schemeClr val="bg1"/>
+                </a:solidFill>
+              </a:rPr>
+              <a:t>"{name}的身高是{height:4d}公分,體重是{weight:5.1f}公斤")</a:t>
+            </a:r>
+          </a:p>
+        </p:txBody>
+      </p:sp>
+      <p:sp>
+        <p:nvSpPr>
+          <p:cNvPr id="5" name="弧形 4"/>
+          <p:cNvSpPr/>
+          <p:nvPr/>
+        </p:nvSpPr>
+        <p:spPr>
+          <a:xfrm>
+            <a:off x="2825496" y="3856649"/>
+            <a:ext cx="630936" cy="1099399"/>
+          </a:xfrm>
+          <a:prstGeom prst="arc">
+            <a:avLst>
+              <a:gd name="adj1" fmla="val 17154581"/>
+              <a:gd name="adj2" fmla="val 5424151"/>
+            </a:avLst>
+          </a:prstGeom>
+          <a:ln w="38100">
+            <a:solidFill>
+              <a:srgbClr val="FF0000"/>
+            </a:solidFill>
+            <a:headEnd type="none" w="med" len="med"/>
+            <a:tailEnd type="triangle" w="med" len="med"/>
+          </a:ln>
+        </p:spPr>
+        <p:style>
+          <a:lnRef idx="1">
+            <a:schemeClr val="accent1"/>
+          </a:lnRef>
+          <a:fillRef idx="0">
+            <a:schemeClr val="accent1"/>
+          </a:fillRef>
+          <a:effectRef idx="0">
+            <a:schemeClr val="accent1"/>
+          </a:effectRef>
+          <a:fontRef idx="minor">
+            <a:schemeClr val="tx1"/>
+          </a:fontRef>
+        </p:style>
+        <p:txBody>
+          <a:bodyPr rtlCol="0" anchor="ctr"/>
+          <a:lstStyle/>
+          <a:p>
+            <a:pPr algn="ctr"/>
+            <a:endParaRPr lang="zh-TW" altLang="en-US"/>
+          </a:p>
+        </p:txBody>
+      </p:sp>
+      <p:sp>
+        <p:nvSpPr>
+          <p:cNvPr id="6" name="弧形 5"/>
+          <p:cNvSpPr/>
+          <p:nvPr/>
+        </p:nvSpPr>
+        <p:spPr>
+          <a:xfrm>
+            <a:off x="1350264" y="4100976"/>
+            <a:ext cx="3203448" cy="1436978"/>
+          </a:xfrm>
+          <a:prstGeom prst="arc">
+            <a:avLst>
+              <a:gd name="adj1" fmla="val 16732801"/>
+              <a:gd name="adj2" fmla="val 113525"/>
+            </a:avLst>
+          </a:prstGeom>
+          <a:ln w="38100">
+            <a:solidFill>
+              <a:srgbClr val="FF0000"/>
+            </a:solidFill>
+            <a:headEnd type="none" w="med" len="med"/>
+            <a:tailEnd type="triangle" w="med" len="med"/>
+          </a:ln>
+        </p:spPr>
+        <p:style>
+          <a:lnRef idx="1">
+            <a:schemeClr val="accent1"/>
+          </a:lnRef>
+          <a:fillRef idx="0">
+            <a:schemeClr val="accent1"/>
+          </a:fillRef>
+          <a:effectRef idx="0">
+            <a:schemeClr val="accent1"/>
+          </a:effectRef>
+          <a:fontRef idx="minor">
+            <a:schemeClr val="tx1"/>
+          </a:fontRef>
+        </p:style>
+        <p:txBody>
+          <a:bodyPr rtlCol="0" anchor="ctr"/>
+          <a:lstStyle/>
+          <a:p>
+            <a:pPr algn="ctr"/>
+            <a:endParaRPr lang="zh-TW" altLang="en-US"/>
+          </a:p>
+        </p:txBody>
+      </p:sp>
+      <p:sp>
+        <p:nvSpPr>
+          <p:cNvPr id="7" name="弧形 6"/>
+          <p:cNvSpPr/>
+          <p:nvPr/>
+        </p:nvSpPr>
+        <p:spPr>
+          <a:xfrm>
+            <a:off x="-490728" y="4424994"/>
+            <a:ext cx="7623048" cy="1062872"/>
+          </a:xfrm>
+          <a:prstGeom prst="arc">
+            <a:avLst>
+              <a:gd name="adj1" fmla="val 16732801"/>
+              <a:gd name="adj2" fmla="val 4171"/>
+            </a:avLst>
+          </a:prstGeom>
+          <a:ln w="38100">
+            <a:solidFill>
+              <a:srgbClr val="FF0000"/>
+            </a:solidFill>
+            <a:headEnd type="none" w="med" len="med"/>
+            <a:tailEnd type="triangle" w="med" len="med"/>
+          </a:ln>
+        </p:spPr>
+        <p:style>
+          <a:lnRef idx="1">
+            <a:schemeClr val="accent1"/>
+          </a:lnRef>
+          <a:fillRef idx="0">
+            <a:schemeClr val="accent1"/>
+          </a:fillRef>
+          <a:effectRef idx="0">
+            <a:schemeClr val="accent1"/>
+          </a:effectRef>
+          <a:fontRef idx="minor">
+            <a:schemeClr val="tx1"/>
+          </a:fontRef>
+        </p:style>
+        <p:txBody>
+          <a:bodyPr rtlCol="0" anchor="ctr"/>
+          <a:lstStyle/>
+          <a:p>
+            <a:pPr algn="ctr"/>
+            <a:endParaRPr lang="zh-TW" altLang="en-US"/>
+          </a:p>
+        </p:txBody>
+      </p:sp>
+    </p:spTree>
+    <p:extLst>
+      <p:ext uri="{BB962C8B-B14F-4D97-AF65-F5344CB8AC3E}">
+        <p14:creationId xmlns:p14="http://schemas.microsoft.com/office/powerpoint/2010/main" val="882617478"/>
+      </p:ext>
+    </p:extLst>
+  </p:cSld>
+  <p:clrMapOvr>
+    <a:masterClrMapping/>
+  </p:clrMapOvr>
 </p:sld>
 </file>
 
@@ -6460,6 +8335,69 @@
               <a:rPr lang="en-US" altLang="zh-TW" dirty="0" smtClean="0"/>
               <a:t>)</a:t>
             </a:r>
+          </a:p>
+          <a:p>
+            <a:pPr lvl="1"/>
+            <a:r>
+              <a:rPr lang="en-US" altLang="zh-TW" dirty="0" smtClean="0"/>
+              <a:t>Sep:</a:t>
+            </a:r>
+            <a:r>
+              <a:rPr lang="zh-TW" altLang="en-US" dirty="0" smtClean="0"/>
+              <a:t>當輸出多筆資料時，插在各筆資料之間的分隔字元，預設是一個空白。</a:t>
+            </a:r>
+            <a:endParaRPr lang="en-US" altLang="zh-TW" dirty="0" smtClean="0"/>
+          </a:p>
+          <a:p>
+            <a:pPr lvl="1"/>
+            <a:r>
+              <a:rPr lang="en-US" altLang="zh-TW" dirty="0" smtClean="0"/>
+              <a:t>End:</a:t>
+            </a:r>
+            <a:r>
+              <a:rPr lang="zh-TW" altLang="en-US" dirty="0" smtClean="0"/>
+              <a:t>資料輸出最後所輸出的字元，預設是換行。不想輸出後換行要改這邊。</a:t>
+            </a:r>
+            <a:endParaRPr lang="en-US" altLang="zh-TW" dirty="0" smtClean="0"/>
+          </a:p>
+          <a:p>
+            <a:pPr lvl="1"/>
+            <a:r>
+              <a:rPr lang="en-US" altLang="zh-TW" dirty="0" smtClean="0"/>
+              <a:t>File:</a:t>
+            </a:r>
+            <a:r>
+              <a:rPr lang="zh-TW" altLang="en-US" dirty="0" smtClean="0"/>
+              <a:t>輸出位置，預設是</a:t>
+            </a:r>
+            <a:r>
+              <a:rPr lang="en-US" altLang="zh-TW" dirty="0" err="1" smtClean="0"/>
+              <a:t>sys.stdout</a:t>
+            </a:r>
+            <a:r>
+              <a:rPr lang="zh-TW" altLang="en-US" dirty="0" smtClean="0"/>
+              <a:t>，也就是螢幕</a:t>
+            </a:r>
+            <a:r>
+              <a:rPr lang="en-US" altLang="zh-TW" dirty="0" smtClean="0"/>
+              <a:t>(console)</a:t>
+            </a:r>
+            <a:r>
+              <a:rPr lang="zh-TW" altLang="en-US" dirty="0" smtClean="0"/>
+              <a:t>。可以改到檔案或是設備。</a:t>
+            </a:r>
+            <a:endParaRPr lang="en-US" altLang="zh-TW" dirty="0" smtClean="0"/>
+          </a:p>
+          <a:p>
+            <a:pPr lvl="1"/>
+            <a:r>
+              <a:rPr lang="en-US" altLang="zh-TW" dirty="0" smtClean="0"/>
+              <a:t>Flush:</a:t>
+            </a:r>
+            <a:r>
+              <a:rPr lang="zh-TW" altLang="en-US" dirty="0" smtClean="0"/>
+              <a:t>是否清除資料流的緩衝區，預設是不清除。</a:t>
+            </a:r>
             <a:endParaRPr lang="zh-TW" altLang="en-US" dirty="0"/>
           </a:p>
         </p:txBody>
@@ -6481,6 +8419,1884 @@
       </p:par>
     </p:tnLst>
   </p:timing>
+</p:sld>
+</file>
+
+<file path=ppt/slides/slide4.xml><?xml version="1.0" encoding="utf-8"?>
+<p:sld xmlns:a="http://schemas.openxmlformats.org/drawingml/2006/main" xmlns:r="http://schemas.openxmlformats.org/officeDocument/2006/relationships" xmlns:p="http://schemas.openxmlformats.org/presentationml/2006/main">
+  <p:cSld>
+    <p:spTree>
+      <p:nvGrpSpPr>
+        <p:cNvPr id="1" name=""/>
+        <p:cNvGrpSpPr/>
+        <p:nvPr/>
+      </p:nvGrpSpPr>
+      <p:grpSpPr>
+        <a:xfrm>
+          <a:off x="0" y="0"/>
+          <a:ext cx="0" cy="0"/>
+          <a:chOff x="0" y="0"/>
+          <a:chExt cx="0" cy="0"/>
+        </a:xfrm>
+      </p:grpSpPr>
+      <p:sp>
+        <p:nvSpPr>
+          <p:cNvPr id="4" name="矩形 3"/>
+          <p:cNvSpPr/>
+          <p:nvPr/>
+        </p:nvSpPr>
+        <p:spPr>
+          <a:xfrm>
+            <a:off x="3118104" y="2139696"/>
+            <a:ext cx="5349240" cy="429768"/>
+          </a:xfrm>
+          <a:prstGeom prst="rect">
+            <a:avLst/>
+          </a:prstGeom>
+          <a:solidFill>
+            <a:srgbClr val="FFFF99"/>
+          </a:solidFill>
+          <a:ln>
+            <a:noFill/>
+          </a:ln>
+        </p:spPr>
+        <p:style>
+          <a:lnRef idx="2">
+            <a:schemeClr val="accent1">
+              <a:shade val="50000"/>
+            </a:schemeClr>
+          </a:lnRef>
+          <a:fillRef idx="1">
+            <a:schemeClr val="accent1"/>
+          </a:fillRef>
+          <a:effectRef idx="0">
+            <a:schemeClr val="accent1"/>
+          </a:effectRef>
+          <a:fontRef idx="minor">
+            <a:schemeClr val="lt1"/>
+          </a:fontRef>
+        </p:style>
+        <p:txBody>
+          <a:bodyPr rtlCol="0" anchor="ctr"/>
+          <a:lstStyle/>
+          <a:p>
+            <a:pPr algn="ctr"/>
+            <a:endParaRPr lang="zh-TW" altLang="en-US"/>
+          </a:p>
+        </p:txBody>
+      </p:sp>
+      <p:sp>
+        <p:nvSpPr>
+          <p:cNvPr id="2" name="標題 1"/>
+          <p:cNvSpPr>
+            <a:spLocks noGrp="1"/>
+          </p:cNvSpPr>
+          <p:nvPr>
+            <p:ph type="title"/>
+          </p:nvPr>
+        </p:nvSpPr>
+        <p:spPr/>
+        <p:txBody>
+          <a:bodyPr/>
+          <a:lstStyle/>
+          <a:p>
+            <a:r>
+              <a:rPr lang="zh-TW" altLang="en-US" dirty="0" smtClean="0"/>
+              <a:t>使用</a:t>
+            </a:r>
+            <a:r>
+              <a:rPr lang="en-US" altLang="zh-TW" dirty="0" smtClean="0"/>
+              <a:t>%</a:t>
+            </a:r>
+            <a:r>
+              <a:rPr lang="zh-TW" altLang="en-US" dirty="0" smtClean="0"/>
+              <a:t>格式化字串</a:t>
+            </a:r>
+            <a:endParaRPr lang="zh-TW" altLang="en-US" dirty="0"/>
+          </a:p>
+        </p:txBody>
+      </p:sp>
+      <p:sp>
+        <p:nvSpPr>
+          <p:cNvPr id="3" name="內容版面配置區 2"/>
+          <p:cNvSpPr>
+            <a:spLocks noGrp="1"/>
+          </p:cNvSpPr>
+          <p:nvPr>
+            <p:ph idx="1"/>
+          </p:nvPr>
+        </p:nvSpPr>
+        <p:spPr/>
+        <p:txBody>
+          <a:bodyPr/>
+          <a:lstStyle/>
+          <a:p>
+            <a:r>
+              <a:rPr lang="zh-TW" altLang="en-US" dirty="0" smtClean="0"/>
+              <a:t>格式化字串</a:t>
+            </a:r>
+            <a:r>
+              <a:rPr lang="zh-TW" altLang="en-US" dirty="0"/>
+              <a:t>的語法：</a:t>
+            </a:r>
+            <a:r>
+              <a:rPr lang="en-US" altLang="zh-TW" b="1" dirty="0" smtClean="0">
+                <a:solidFill>
+                  <a:schemeClr val="tx1"/>
+                </a:solidFill>
+              </a:rPr>
+              <a:t>“….. </a:t>
+            </a:r>
+            <a:r>
+              <a:rPr lang="en-US" altLang="zh-TW" b="1" dirty="0">
+                <a:solidFill>
+                  <a:srgbClr val="FF0000"/>
+                </a:solidFill>
+              </a:rPr>
+              <a:t>%d</a:t>
+            </a:r>
+            <a:r>
+              <a:rPr lang="zh-TW" altLang="en-US" b="1" dirty="0" smtClean="0">
+                <a:solidFill>
+                  <a:schemeClr val="tx1"/>
+                </a:solidFill>
+              </a:rPr>
+              <a:t>字串含輸出格式</a:t>
+            </a:r>
+            <a:r>
+              <a:rPr lang="en-US" altLang="zh-TW" b="1" dirty="0" smtClean="0">
+                <a:solidFill>
+                  <a:srgbClr val="0070C0"/>
+                </a:solidFill>
+              </a:rPr>
+              <a:t>%f</a:t>
+            </a:r>
+            <a:r>
+              <a:rPr lang="en-US" altLang="zh-TW" b="1" dirty="0" smtClean="0">
+                <a:solidFill>
+                  <a:schemeClr val="tx1"/>
+                </a:solidFill>
+              </a:rPr>
+              <a:t> ….”</a:t>
+            </a:r>
+            <a:r>
+              <a:rPr lang="zh-TW" altLang="en-US" b="1" dirty="0" smtClean="0">
+                <a:solidFill>
+                  <a:schemeClr val="tx1"/>
+                </a:solidFill>
+              </a:rPr>
+              <a:t> </a:t>
+            </a:r>
+            <a:r>
+              <a:rPr lang="en-US" altLang="zh-TW" b="1" dirty="0" smtClean="0">
+                <a:solidFill>
+                  <a:schemeClr val="tx1"/>
+                </a:solidFill>
+              </a:rPr>
+              <a:t>%</a:t>
+            </a:r>
+            <a:r>
+              <a:rPr lang="zh-TW" altLang="en-US" b="1" dirty="0" smtClean="0">
+                <a:solidFill>
+                  <a:schemeClr val="tx1"/>
+                </a:solidFill>
+              </a:rPr>
+              <a:t> </a:t>
+            </a:r>
+            <a:r>
+              <a:rPr lang="en-US" altLang="zh-TW" b="1" dirty="0" smtClean="0">
+                <a:solidFill>
+                  <a:schemeClr val="tx1"/>
+                </a:solidFill>
+              </a:rPr>
+              <a:t>(</a:t>
+            </a:r>
+            <a:r>
+              <a:rPr lang="zh-TW" altLang="en-US" b="1" dirty="0" smtClean="0">
+                <a:solidFill>
+                  <a:srgbClr val="FF0000"/>
+                </a:solidFill>
+              </a:rPr>
+              <a:t>變數</a:t>
+            </a:r>
+            <a:r>
+              <a:rPr lang="en-US" altLang="zh-TW" b="1" dirty="0" smtClean="0">
+                <a:solidFill>
+                  <a:srgbClr val="FF0000"/>
+                </a:solidFill>
+              </a:rPr>
+              <a:t>1</a:t>
+            </a:r>
+            <a:r>
+              <a:rPr lang="en-US" altLang="zh-TW" b="1" dirty="0" smtClean="0">
+                <a:solidFill>
+                  <a:schemeClr val="tx1"/>
+                </a:solidFill>
+              </a:rPr>
+              <a:t>,</a:t>
+            </a:r>
+            <a:r>
+              <a:rPr lang="zh-TW" altLang="en-US" b="1" dirty="0" smtClean="0">
+                <a:solidFill>
+                  <a:srgbClr val="0070C0"/>
+                </a:solidFill>
+              </a:rPr>
+              <a:t>變數</a:t>
+            </a:r>
+            <a:r>
+              <a:rPr lang="en-US" altLang="zh-TW" b="1" dirty="0" smtClean="0">
+                <a:solidFill>
+                  <a:srgbClr val="0070C0"/>
+                </a:solidFill>
+              </a:rPr>
+              <a:t>2</a:t>
+            </a:r>
+            <a:r>
+              <a:rPr lang="en-US" altLang="zh-TW" b="1" dirty="0" smtClean="0">
+                <a:solidFill>
+                  <a:schemeClr val="tx1"/>
+                </a:solidFill>
+              </a:rPr>
+              <a:t>,….)</a:t>
+            </a:r>
+          </a:p>
+          <a:p>
+            <a:pPr lvl="1"/>
+            <a:r>
+              <a:rPr lang="zh-TW" altLang="en-US" dirty="0"/>
+              <a:t>字串</a:t>
+            </a:r>
+            <a:r>
+              <a:rPr lang="zh-TW" altLang="en-US" dirty="0"/>
+              <a:t>中出現的</a:t>
+            </a:r>
+            <a:r>
+              <a:rPr lang="en-US" altLang="zh-TW" sz="2400" b="1" dirty="0"/>
+              <a:t>%</a:t>
+            </a:r>
+            <a:r>
+              <a:rPr lang="zh-TW" altLang="en-US" dirty="0"/>
+              <a:t>開頭的格式化描述，會由後方</a:t>
+            </a:r>
+            <a:r>
+              <a:rPr lang="zh-TW" altLang="en-US" sz="2000" b="1" dirty="0"/>
+              <a:t>變數</a:t>
+            </a:r>
+            <a:r>
+              <a:rPr lang="zh-TW" altLang="en-US" dirty="0"/>
+              <a:t>依照描述格式</a:t>
+            </a:r>
+            <a:r>
+              <a:rPr lang="zh-TW" altLang="en-US" sz="2000" b="1" dirty="0"/>
+              <a:t>代入</a:t>
+            </a:r>
+            <a:r>
+              <a:rPr lang="zh-TW" altLang="en-US" dirty="0"/>
+              <a:t>。</a:t>
+            </a:r>
+            <a:endParaRPr lang="en-US" altLang="zh-TW" dirty="0"/>
+          </a:p>
+          <a:p>
+            <a:r>
+              <a:rPr lang="zh-TW" altLang="en-US" dirty="0"/>
+              <a:t>例如</a:t>
+            </a:r>
+            <a:r>
+              <a:rPr lang="zh-TW" altLang="en-US" dirty="0" smtClean="0"/>
+              <a:t>：</a:t>
+            </a:r>
+            <a:endParaRPr lang="en-US" altLang="zh-TW" dirty="0" smtClean="0"/>
+          </a:p>
+          <a:p>
+            <a:pPr lvl="1"/>
+            <a:r>
+              <a:rPr lang="en-US" altLang="zh-TW" dirty="0" smtClean="0"/>
+              <a:t>“</a:t>
+            </a:r>
+            <a:r>
+              <a:rPr lang="en-US" altLang="zh-TW" dirty="0" smtClean="0">
+                <a:solidFill>
+                  <a:srgbClr val="0070C0"/>
+                </a:solidFill>
+              </a:rPr>
+              <a:t>%s</a:t>
+            </a:r>
+            <a:r>
+              <a:rPr lang="zh-TW" altLang="en-US" dirty="0" smtClean="0"/>
+              <a:t>的身高是</a:t>
+            </a:r>
+            <a:r>
+              <a:rPr lang="en-US" altLang="zh-TW" dirty="0" smtClean="0">
+                <a:solidFill>
+                  <a:srgbClr val="0070C0"/>
+                </a:solidFill>
+              </a:rPr>
+              <a:t>%d</a:t>
+            </a:r>
+            <a:r>
+              <a:rPr lang="zh-TW" altLang="en-US" dirty="0" smtClean="0"/>
+              <a:t>公分</a:t>
+            </a:r>
+            <a:r>
+              <a:rPr lang="en-US" altLang="zh-TW" dirty="0" smtClean="0"/>
+              <a:t>” % (“</a:t>
+            </a:r>
+            <a:r>
+              <a:rPr lang="zh-TW" altLang="en-US" dirty="0" smtClean="0"/>
+              <a:t>劉老師</a:t>
+            </a:r>
+            <a:r>
+              <a:rPr lang="en-US" altLang="zh-TW" dirty="0" smtClean="0"/>
+              <a:t>”, 168) </a:t>
+            </a:r>
+            <a:r>
+              <a:rPr lang="zh-TW" altLang="en-US" dirty="0" smtClean="0"/>
+              <a:t>  </a:t>
+            </a:r>
+            <a:r>
+              <a:rPr lang="en-US" altLang="zh-TW" dirty="0" smtClean="0">
+                <a:sym typeface="Wingdings" panose="05000000000000000000" pitchFamily="2" charset="2"/>
+              </a:rPr>
+              <a:t></a:t>
+            </a:r>
+            <a:r>
+              <a:rPr lang="zh-TW" altLang="en-US" dirty="0" smtClean="0">
+                <a:sym typeface="Wingdings" panose="05000000000000000000" pitchFamily="2" charset="2"/>
+              </a:rPr>
+              <a:t>   </a:t>
+            </a:r>
+            <a:r>
+              <a:rPr lang="zh-TW" altLang="en-US" b="1" u="sng" dirty="0" smtClean="0">
+                <a:solidFill>
+                  <a:srgbClr val="0070C0"/>
+                </a:solidFill>
+              </a:rPr>
+              <a:t>劉</a:t>
+            </a:r>
+            <a:r>
+              <a:rPr lang="zh-TW" altLang="en-US" b="1" u="sng" dirty="0">
+                <a:solidFill>
+                  <a:srgbClr val="0070C0"/>
+                </a:solidFill>
+              </a:rPr>
+              <a:t>老師</a:t>
+            </a:r>
+            <a:r>
+              <a:rPr lang="zh-TW" altLang="en-US" u="sng" dirty="0" smtClean="0"/>
+              <a:t>的</a:t>
+            </a:r>
+            <a:r>
+              <a:rPr lang="zh-TW" altLang="en-US" u="sng" dirty="0"/>
+              <a:t>身高</a:t>
+            </a:r>
+            <a:r>
+              <a:rPr lang="zh-TW" altLang="en-US" u="sng" dirty="0" smtClean="0"/>
+              <a:t>是</a:t>
+            </a:r>
+            <a:r>
+              <a:rPr lang="en-US" altLang="zh-TW" u="sng" dirty="0" smtClean="0">
+                <a:solidFill>
+                  <a:srgbClr val="0070C0"/>
+                </a:solidFill>
+              </a:rPr>
+              <a:t>168</a:t>
+            </a:r>
+            <a:r>
+              <a:rPr lang="zh-TW" altLang="en-US" u="sng" dirty="0" smtClean="0"/>
+              <a:t>公分</a:t>
+            </a:r>
+            <a:endParaRPr lang="en-US" altLang="zh-TW" u="sng" dirty="0" smtClean="0"/>
+          </a:p>
+          <a:p>
+            <a:pPr lvl="1"/>
+            <a:endParaRPr lang="en-US" altLang="zh-TW" dirty="0" smtClean="0"/>
+          </a:p>
+          <a:p>
+            <a:pPr lvl="1"/>
+            <a:r>
+              <a:rPr lang="zh-TW" altLang="en-US" dirty="0" smtClean="0"/>
+              <a:t>其中的</a:t>
+            </a:r>
+            <a:r>
+              <a:rPr lang="en-US" altLang="zh-TW" dirty="0" smtClean="0"/>
+              <a:t>%</a:t>
+            </a:r>
+            <a:r>
+              <a:rPr lang="en-US" altLang="zh-TW" dirty="0" err="1"/>
+              <a:t>s</a:t>
+            </a:r>
+            <a:r>
+              <a:rPr lang="en-US" altLang="zh-TW" dirty="0" err="1" smtClean="0"/>
+              <a:t>,%d</a:t>
+            </a:r>
+            <a:r>
+              <a:rPr lang="zh-TW" altLang="en-US" dirty="0" smtClean="0"/>
+              <a:t>就是格式化的描述。</a:t>
+            </a:r>
+            <a:endParaRPr lang="en-US" altLang="zh-TW" dirty="0" smtClean="0"/>
+          </a:p>
+          <a:p>
+            <a:r>
+              <a:rPr lang="zh-TW" altLang="en-US" dirty="0" smtClean="0"/>
+              <a:t>這是仿效</a:t>
+            </a:r>
+            <a:r>
+              <a:rPr lang="en-US" altLang="zh-TW" dirty="0" smtClean="0"/>
+              <a:t>C/C++, Java</a:t>
+            </a:r>
+            <a:r>
+              <a:rPr lang="zh-TW" altLang="en-US" dirty="0" smtClean="0"/>
+              <a:t>等高階語言</a:t>
+            </a:r>
+            <a:r>
+              <a:rPr lang="zh-TW" altLang="en-US" dirty="0"/>
+              <a:t>的格式化輸出</a:t>
+            </a:r>
+            <a:r>
+              <a:rPr lang="zh-TW" altLang="en-US" dirty="0" smtClean="0"/>
+              <a:t>。</a:t>
+            </a:r>
+            <a:endParaRPr lang="en-US" altLang="zh-TW" dirty="0" smtClean="0"/>
+          </a:p>
+        </p:txBody>
+      </p:sp>
+      <p:sp>
+        <p:nvSpPr>
+          <p:cNvPr id="5" name="弧形 4"/>
+          <p:cNvSpPr/>
+          <p:nvPr/>
+        </p:nvSpPr>
+        <p:spPr>
+          <a:xfrm>
+            <a:off x="3942396" y="1832864"/>
+            <a:ext cx="2943036" cy="634557"/>
+          </a:xfrm>
+          <a:prstGeom prst="arc">
+            <a:avLst>
+              <a:gd name="adj1" fmla="val 10827019"/>
+              <a:gd name="adj2" fmla="val 0"/>
+            </a:avLst>
+          </a:prstGeom>
+          <a:ln w="28575">
+            <a:solidFill>
+              <a:srgbClr val="FF0000"/>
+            </a:solidFill>
+            <a:headEnd type="triangle" w="med" len="med"/>
+            <a:tailEnd type="none" w="med" len="med"/>
+          </a:ln>
+        </p:spPr>
+        <p:style>
+          <a:lnRef idx="1">
+            <a:schemeClr val="accent1"/>
+          </a:lnRef>
+          <a:fillRef idx="0">
+            <a:schemeClr val="accent1"/>
+          </a:fillRef>
+          <a:effectRef idx="0">
+            <a:schemeClr val="accent1"/>
+          </a:effectRef>
+          <a:fontRef idx="minor">
+            <a:schemeClr val="tx1"/>
+          </a:fontRef>
+        </p:style>
+        <p:txBody>
+          <a:bodyPr rtlCol="0" anchor="ctr"/>
+          <a:lstStyle/>
+          <a:p>
+            <a:pPr algn="ctr"/>
+            <a:endParaRPr lang="zh-TW" altLang="en-US"/>
+          </a:p>
+        </p:txBody>
+      </p:sp>
+      <p:sp>
+        <p:nvSpPr>
+          <p:cNvPr id="6" name="弧形 5"/>
+          <p:cNvSpPr/>
+          <p:nvPr/>
+        </p:nvSpPr>
+        <p:spPr>
+          <a:xfrm>
+            <a:off x="5724144" y="1853757"/>
+            <a:ext cx="1985580" cy="634557"/>
+          </a:xfrm>
+          <a:prstGeom prst="arc">
+            <a:avLst>
+              <a:gd name="adj1" fmla="val 10827019"/>
+              <a:gd name="adj2" fmla="val 0"/>
+            </a:avLst>
+          </a:prstGeom>
+          <a:ln w="28575">
+            <a:solidFill>
+              <a:srgbClr val="0070C0"/>
+            </a:solidFill>
+            <a:headEnd type="triangle" w="med" len="med"/>
+            <a:tailEnd type="none" w="med" len="med"/>
+          </a:ln>
+        </p:spPr>
+        <p:style>
+          <a:lnRef idx="1">
+            <a:schemeClr val="accent1"/>
+          </a:lnRef>
+          <a:fillRef idx="0">
+            <a:schemeClr val="accent1"/>
+          </a:fillRef>
+          <a:effectRef idx="0">
+            <a:schemeClr val="accent1"/>
+          </a:effectRef>
+          <a:fontRef idx="minor">
+            <a:schemeClr val="tx1"/>
+          </a:fontRef>
+        </p:style>
+        <p:txBody>
+          <a:bodyPr rtlCol="0" anchor="ctr"/>
+          <a:lstStyle/>
+          <a:p>
+            <a:pPr algn="ctr"/>
+            <a:endParaRPr lang="zh-TW" altLang="en-US"/>
+          </a:p>
+        </p:txBody>
+      </p:sp>
+      <p:sp>
+        <p:nvSpPr>
+          <p:cNvPr id="7" name="弧形 6"/>
+          <p:cNvSpPr/>
+          <p:nvPr/>
+        </p:nvSpPr>
+        <p:spPr>
+          <a:xfrm flipV="1">
+            <a:off x="1763076" y="3412769"/>
+            <a:ext cx="2179320" cy="688206"/>
+          </a:xfrm>
+          <a:prstGeom prst="arc">
+            <a:avLst>
+              <a:gd name="adj1" fmla="val 10827019"/>
+              <a:gd name="adj2" fmla="val 0"/>
+            </a:avLst>
+          </a:prstGeom>
+          <a:ln w="28575">
+            <a:solidFill>
+              <a:srgbClr val="FF0000"/>
+            </a:solidFill>
+            <a:headEnd type="triangle" w="med" len="med"/>
+            <a:tailEnd type="none" w="med" len="med"/>
+          </a:ln>
+        </p:spPr>
+        <p:style>
+          <a:lnRef idx="1">
+            <a:schemeClr val="accent1"/>
+          </a:lnRef>
+          <a:fillRef idx="0">
+            <a:schemeClr val="accent1"/>
+          </a:fillRef>
+          <a:effectRef idx="0">
+            <a:schemeClr val="accent1"/>
+          </a:effectRef>
+          <a:fontRef idx="minor">
+            <a:schemeClr val="tx1"/>
+          </a:fontRef>
+        </p:style>
+        <p:txBody>
+          <a:bodyPr rtlCol="0" anchor="ctr"/>
+          <a:lstStyle/>
+          <a:p>
+            <a:pPr algn="ctr"/>
+            <a:endParaRPr lang="zh-TW" altLang="en-US"/>
+          </a:p>
+        </p:txBody>
+      </p:sp>
+      <p:sp>
+        <p:nvSpPr>
+          <p:cNvPr id="8" name="弧形 7"/>
+          <p:cNvSpPr/>
+          <p:nvPr/>
+        </p:nvSpPr>
+        <p:spPr>
+          <a:xfrm flipV="1">
+            <a:off x="2796348" y="3433662"/>
+            <a:ext cx="2022540" cy="688206"/>
+          </a:xfrm>
+          <a:prstGeom prst="arc">
+            <a:avLst>
+              <a:gd name="adj1" fmla="val 10827019"/>
+              <a:gd name="adj2" fmla="val 0"/>
+            </a:avLst>
+          </a:prstGeom>
+          <a:ln w="28575">
+            <a:solidFill>
+              <a:srgbClr val="FF0000"/>
+            </a:solidFill>
+            <a:headEnd type="triangle" w="med" len="med"/>
+            <a:tailEnd type="none" w="med" len="med"/>
+          </a:ln>
+        </p:spPr>
+        <p:style>
+          <a:lnRef idx="1">
+            <a:schemeClr val="accent1"/>
+          </a:lnRef>
+          <a:fillRef idx="0">
+            <a:schemeClr val="accent1"/>
+          </a:fillRef>
+          <a:effectRef idx="0">
+            <a:schemeClr val="accent1"/>
+          </a:effectRef>
+          <a:fontRef idx="minor">
+            <a:schemeClr val="tx1"/>
+          </a:fontRef>
+        </p:style>
+        <p:txBody>
+          <a:bodyPr rtlCol="0" anchor="ctr"/>
+          <a:lstStyle/>
+          <a:p>
+            <a:pPr algn="ctr"/>
+            <a:endParaRPr lang="zh-TW" altLang="en-US"/>
+          </a:p>
+        </p:txBody>
+      </p:sp>
+    </p:spTree>
+    <p:extLst>
+      <p:ext uri="{BB962C8B-B14F-4D97-AF65-F5344CB8AC3E}">
+        <p14:creationId xmlns:p14="http://schemas.microsoft.com/office/powerpoint/2010/main" val="865337074"/>
+      </p:ext>
+    </p:extLst>
+  </p:cSld>
+  <p:clrMapOvr>
+    <a:masterClrMapping/>
+  </p:clrMapOvr>
+</p:sld>
+</file>
+
+<file path=ppt/slides/slide5.xml><?xml version="1.0" encoding="utf-8"?>
+<p:sld xmlns:a="http://schemas.openxmlformats.org/drawingml/2006/main" xmlns:r="http://schemas.openxmlformats.org/officeDocument/2006/relationships" xmlns:p="http://schemas.openxmlformats.org/presentationml/2006/main">
+  <p:cSld>
+    <p:spTree>
+      <p:nvGrpSpPr>
+        <p:cNvPr id="1" name=""/>
+        <p:cNvGrpSpPr/>
+        <p:nvPr/>
+      </p:nvGrpSpPr>
+      <p:grpSpPr>
+        <a:xfrm>
+          <a:off x="0" y="0"/>
+          <a:ext cx="0" cy="0"/>
+          <a:chOff x="0" y="0"/>
+          <a:chExt cx="0" cy="0"/>
+        </a:xfrm>
+      </p:grpSpPr>
+      <p:sp>
+        <p:nvSpPr>
+          <p:cNvPr id="2" name="標題 1"/>
+          <p:cNvSpPr>
+            <a:spLocks noGrp="1"/>
+          </p:cNvSpPr>
+          <p:nvPr>
+            <p:ph type="title"/>
+          </p:nvPr>
+        </p:nvSpPr>
+        <p:spPr/>
+        <p:txBody>
+          <a:bodyPr/>
+          <a:lstStyle/>
+          <a:p>
+            <a:r>
+              <a:rPr lang="zh-TW" altLang="en-US" dirty="0" smtClean="0"/>
+              <a:t>常見格式</a:t>
+            </a:r>
+            <a:endParaRPr lang="zh-TW" altLang="en-US" dirty="0"/>
+          </a:p>
+        </p:txBody>
+      </p:sp>
+      <p:sp>
+        <p:nvSpPr>
+          <p:cNvPr id="3" name="內容版面配置區 2"/>
+          <p:cNvSpPr>
+            <a:spLocks noGrp="1"/>
+          </p:cNvSpPr>
+          <p:nvPr>
+            <p:ph idx="1"/>
+          </p:nvPr>
+        </p:nvSpPr>
+        <p:spPr/>
+        <p:txBody>
+          <a:bodyPr/>
+          <a:lstStyle/>
+          <a:p>
+            <a:r>
+              <a:rPr lang="zh-TW" altLang="en-US" dirty="0" smtClean="0"/>
+              <a:t>搭配不同變數類型，用不同的描述字元：</a:t>
+            </a:r>
+            <a:endParaRPr lang="en-US" altLang="zh-TW" dirty="0" smtClean="0"/>
+          </a:p>
+          <a:p>
+            <a:pPr lvl="1"/>
+            <a:r>
+              <a:rPr lang="en-US" altLang="zh-TW" dirty="0" smtClean="0"/>
+              <a:t>%d</a:t>
+            </a:r>
+            <a:r>
+              <a:rPr lang="zh-TW" altLang="en-US" dirty="0" smtClean="0"/>
+              <a:t>：格式化</a:t>
+            </a:r>
+            <a:r>
+              <a:rPr lang="zh-TW" altLang="en-US" b="1" dirty="0" smtClean="0"/>
+              <a:t>整數</a:t>
+            </a:r>
+            <a:r>
+              <a:rPr lang="zh-TW" altLang="en-US" dirty="0" smtClean="0"/>
+              <a:t>輸出</a:t>
+            </a:r>
+            <a:endParaRPr lang="en-US" altLang="zh-TW" dirty="0" smtClean="0"/>
+          </a:p>
+          <a:p>
+            <a:pPr lvl="1"/>
+            <a:r>
+              <a:rPr lang="en-US" altLang="zh-TW" dirty="0" smtClean="0"/>
+              <a:t>%f</a:t>
+            </a:r>
+            <a:r>
+              <a:rPr lang="zh-TW" altLang="en-US" dirty="0" smtClean="0"/>
+              <a:t>：格式化</a:t>
+            </a:r>
+            <a:r>
+              <a:rPr lang="zh-TW" altLang="en-US" b="1" dirty="0" smtClean="0"/>
+              <a:t>浮點數</a:t>
+            </a:r>
+            <a:r>
+              <a:rPr lang="zh-TW" altLang="en-US" dirty="0" smtClean="0"/>
+              <a:t>輸出</a:t>
+            </a:r>
+            <a:r>
+              <a:rPr lang="en-US" altLang="zh-TW" dirty="0" smtClean="0"/>
+              <a:t>(</a:t>
+            </a:r>
+            <a:r>
+              <a:rPr lang="zh-TW" altLang="en-US" dirty="0" smtClean="0"/>
+              <a:t>有小數點的</a:t>
+            </a:r>
+            <a:r>
+              <a:rPr lang="en-US" altLang="zh-TW" dirty="0" smtClean="0"/>
+              <a:t>)</a:t>
+            </a:r>
+          </a:p>
+          <a:p>
+            <a:pPr lvl="1"/>
+            <a:r>
+              <a:rPr lang="en-US" altLang="zh-TW" dirty="0" smtClean="0"/>
+              <a:t>%x</a:t>
+            </a:r>
+            <a:r>
+              <a:rPr lang="zh-TW" altLang="en-US" dirty="0" smtClean="0"/>
+              <a:t>：格式化</a:t>
+            </a:r>
+            <a:r>
+              <a:rPr lang="en-US" altLang="zh-TW" b="1" dirty="0" smtClean="0"/>
+              <a:t>16</a:t>
+            </a:r>
+            <a:r>
+              <a:rPr lang="zh-TW" altLang="en-US" b="1" dirty="0" smtClean="0"/>
+              <a:t>進位整數</a:t>
+            </a:r>
+            <a:r>
+              <a:rPr lang="zh-TW" altLang="en-US" dirty="0" smtClean="0"/>
+              <a:t>輸出</a:t>
+            </a:r>
+            <a:endParaRPr lang="en-US" altLang="zh-TW" dirty="0" smtClean="0"/>
+          </a:p>
+          <a:p>
+            <a:pPr lvl="1"/>
+            <a:r>
+              <a:rPr lang="en-US" altLang="zh-TW" dirty="0" smtClean="0"/>
+              <a:t>%X</a:t>
+            </a:r>
+            <a:r>
+              <a:rPr lang="zh-TW" altLang="en-US" dirty="0" smtClean="0"/>
+              <a:t>：格式化</a:t>
+            </a:r>
+            <a:r>
+              <a:rPr lang="zh-TW" altLang="en-US" b="1" dirty="0" smtClean="0"/>
+              <a:t>大寫</a:t>
+            </a:r>
+            <a:r>
+              <a:rPr lang="en-US" altLang="zh-TW" b="1" dirty="0" smtClean="0"/>
+              <a:t>16</a:t>
+            </a:r>
+            <a:r>
+              <a:rPr lang="zh-TW" altLang="en-US" b="1" dirty="0"/>
+              <a:t>進位整數</a:t>
+            </a:r>
+            <a:r>
+              <a:rPr lang="zh-TW" altLang="en-US" dirty="0" smtClean="0"/>
+              <a:t>輸出</a:t>
+            </a:r>
+            <a:endParaRPr lang="en-US" altLang="zh-TW" dirty="0" smtClean="0"/>
+          </a:p>
+          <a:p>
+            <a:pPr lvl="1"/>
+            <a:r>
+              <a:rPr lang="en-US" altLang="zh-TW" dirty="0" smtClean="0"/>
+              <a:t>%o</a:t>
+            </a:r>
+            <a:r>
+              <a:rPr lang="zh-TW" altLang="en-US" dirty="0" smtClean="0"/>
+              <a:t>：格式化</a:t>
+            </a:r>
+            <a:r>
+              <a:rPr lang="en-US" altLang="zh-TW" b="1" dirty="0" smtClean="0"/>
+              <a:t>8</a:t>
+            </a:r>
+            <a:r>
+              <a:rPr lang="zh-TW" altLang="en-US" b="1" dirty="0" smtClean="0"/>
+              <a:t>進位</a:t>
+            </a:r>
+            <a:r>
+              <a:rPr lang="zh-TW" altLang="en-US" b="1" dirty="0"/>
+              <a:t>整數</a:t>
+            </a:r>
+            <a:r>
+              <a:rPr lang="zh-TW" altLang="en-US" dirty="0" smtClean="0"/>
+              <a:t>輸出</a:t>
+            </a:r>
+            <a:endParaRPr lang="en-US" altLang="zh-TW" dirty="0" smtClean="0"/>
+          </a:p>
+          <a:p>
+            <a:pPr lvl="1"/>
+            <a:r>
+              <a:rPr lang="en-US" altLang="zh-TW" dirty="0" smtClean="0"/>
+              <a:t>%s</a:t>
+            </a:r>
+            <a:r>
+              <a:rPr lang="zh-TW" altLang="en-US" dirty="0" smtClean="0"/>
+              <a:t>：格式化</a:t>
+            </a:r>
+            <a:r>
+              <a:rPr lang="zh-TW" altLang="en-US" b="1" dirty="0" smtClean="0"/>
+              <a:t>字串</a:t>
+            </a:r>
+            <a:r>
+              <a:rPr lang="zh-TW" altLang="en-US" dirty="0" smtClean="0"/>
+              <a:t>輸出</a:t>
+            </a:r>
+            <a:endParaRPr lang="en-US" altLang="zh-TW" dirty="0" smtClean="0"/>
+          </a:p>
+          <a:p>
+            <a:pPr lvl="1"/>
+            <a:r>
+              <a:rPr lang="en-US" altLang="zh-TW" dirty="0" smtClean="0"/>
+              <a:t>%e</a:t>
+            </a:r>
+            <a:r>
+              <a:rPr lang="zh-TW" altLang="en-US" dirty="0" smtClean="0"/>
+              <a:t>：格式化</a:t>
+            </a:r>
+            <a:r>
+              <a:rPr lang="zh-TW" altLang="en-US" b="1" dirty="0" smtClean="0"/>
+              <a:t>科學記號</a:t>
+            </a:r>
+            <a:r>
+              <a:rPr lang="en-US" altLang="zh-TW" b="1" dirty="0" smtClean="0"/>
+              <a:t>e</a:t>
+            </a:r>
+            <a:r>
+              <a:rPr lang="zh-TW" altLang="en-US" b="1" dirty="0" smtClean="0"/>
+              <a:t>的</a:t>
+            </a:r>
+            <a:r>
+              <a:rPr lang="zh-TW" altLang="en-US" dirty="0" smtClean="0"/>
+              <a:t>輸出</a:t>
+            </a:r>
+            <a:endParaRPr lang="en-US" altLang="zh-TW" dirty="0" smtClean="0"/>
+          </a:p>
+          <a:p>
+            <a:pPr lvl="1"/>
+            <a:r>
+              <a:rPr lang="en-US" altLang="zh-TW" dirty="0" smtClean="0"/>
+              <a:t>%E</a:t>
+            </a:r>
+            <a:r>
+              <a:rPr lang="zh-TW" altLang="en-US" dirty="0" smtClean="0"/>
+              <a:t>：格式化</a:t>
+            </a:r>
+            <a:r>
+              <a:rPr lang="zh-TW" altLang="en-US" b="1" dirty="0"/>
+              <a:t>科學</a:t>
+            </a:r>
+            <a:r>
+              <a:rPr lang="zh-TW" altLang="en-US" b="1" dirty="0" smtClean="0"/>
+              <a:t>記號大寫</a:t>
+            </a:r>
+            <a:r>
+              <a:rPr lang="en-US" altLang="zh-TW" b="1" dirty="0" smtClean="0"/>
+              <a:t>E</a:t>
+            </a:r>
+            <a:r>
+              <a:rPr lang="zh-TW" altLang="en-US" b="1" dirty="0" smtClean="0"/>
+              <a:t>的</a:t>
+            </a:r>
+            <a:r>
+              <a:rPr lang="zh-TW" altLang="en-US" dirty="0" smtClean="0"/>
+              <a:t>輸出</a:t>
+            </a:r>
+            <a:endParaRPr lang="zh-TW" altLang="en-US" dirty="0"/>
+          </a:p>
+        </p:txBody>
+      </p:sp>
+    </p:spTree>
+    <p:extLst>
+      <p:ext uri="{BB962C8B-B14F-4D97-AF65-F5344CB8AC3E}">
+        <p14:creationId xmlns:p14="http://schemas.microsoft.com/office/powerpoint/2010/main" val="1555418176"/>
+      </p:ext>
+    </p:extLst>
+  </p:cSld>
+  <p:clrMapOvr>
+    <a:masterClrMapping/>
+  </p:clrMapOvr>
+</p:sld>
+</file>
+
+<file path=ppt/slides/slide6.xml><?xml version="1.0" encoding="utf-8"?>
+<p:sld xmlns:a="http://schemas.openxmlformats.org/drawingml/2006/main" xmlns:r="http://schemas.openxmlformats.org/officeDocument/2006/relationships" xmlns:p="http://schemas.openxmlformats.org/presentationml/2006/main">
+  <p:cSld>
+    <p:spTree>
+      <p:nvGrpSpPr>
+        <p:cNvPr id="1" name=""/>
+        <p:cNvGrpSpPr/>
+        <p:nvPr/>
+      </p:nvGrpSpPr>
+      <p:grpSpPr>
+        <a:xfrm>
+          <a:off x="0" y="0"/>
+          <a:ext cx="0" cy="0"/>
+          <a:chOff x="0" y="0"/>
+          <a:chExt cx="0" cy="0"/>
+        </a:xfrm>
+      </p:grpSpPr>
+      <p:sp>
+        <p:nvSpPr>
+          <p:cNvPr id="2" name="標題 1"/>
+          <p:cNvSpPr>
+            <a:spLocks noGrp="1"/>
+          </p:cNvSpPr>
+          <p:nvPr>
+            <p:ph type="title"/>
+          </p:nvPr>
+        </p:nvSpPr>
+        <p:spPr/>
+        <p:txBody>
+          <a:bodyPr/>
+          <a:lstStyle/>
+          <a:p>
+            <a:r>
+              <a:rPr lang="zh-TW" altLang="en-US" dirty="0" smtClean="0"/>
+              <a:t>其他附加格式字元</a:t>
+            </a:r>
+            <a:endParaRPr lang="zh-TW" altLang="en-US" dirty="0"/>
+          </a:p>
+        </p:txBody>
+      </p:sp>
+      <p:sp>
+        <p:nvSpPr>
+          <p:cNvPr id="3" name="內容版面配置區 2"/>
+          <p:cNvSpPr>
+            <a:spLocks noGrp="1"/>
+          </p:cNvSpPr>
+          <p:nvPr>
+            <p:ph idx="1"/>
+          </p:nvPr>
+        </p:nvSpPr>
+        <p:spPr/>
+        <p:txBody>
+          <a:bodyPr/>
+          <a:lstStyle/>
+          <a:p>
+            <a:r>
+              <a:rPr lang="zh-TW" altLang="en-US" dirty="0" smtClean="0"/>
+              <a:t>在</a:t>
+            </a:r>
+            <a:r>
+              <a:rPr lang="en-US" altLang="zh-TW" b="1" dirty="0" smtClean="0">
+                <a:solidFill>
+                  <a:srgbClr val="0070C0"/>
+                </a:solidFill>
+              </a:rPr>
+              <a:t>%</a:t>
+            </a:r>
+            <a:r>
+              <a:rPr lang="zh-TW" altLang="en-US" dirty="0" smtClean="0"/>
+              <a:t>與</a:t>
+            </a:r>
+            <a:r>
+              <a:rPr lang="en-US" altLang="zh-TW" b="1" dirty="0" err="1" smtClean="0">
+                <a:solidFill>
+                  <a:srgbClr val="0070C0"/>
+                </a:solidFill>
+              </a:rPr>
+              <a:t>d,f,s</a:t>
+            </a:r>
+            <a:r>
+              <a:rPr lang="en-US" altLang="zh-TW" b="1" dirty="0" smtClean="0">
+                <a:solidFill>
+                  <a:srgbClr val="0070C0"/>
+                </a:solidFill>
+              </a:rPr>
+              <a:t>…</a:t>
+            </a:r>
+            <a:r>
+              <a:rPr lang="zh-TW" altLang="en-US" dirty="0" smtClean="0"/>
+              <a:t>之間插入以下字元的意義：</a:t>
+            </a:r>
+            <a:endParaRPr lang="en-US" altLang="zh-TW" dirty="0" smtClean="0"/>
+          </a:p>
+          <a:p>
+            <a:pPr lvl="1"/>
+            <a:r>
+              <a:rPr lang="en-US" altLang="zh-TW" dirty="0" smtClean="0"/>
+              <a:t>m</a:t>
+            </a:r>
+            <a:r>
+              <a:rPr lang="zh-TW" altLang="en-US" dirty="0" smtClean="0"/>
+              <a:t>整數：表示保留寬度</a:t>
+            </a:r>
+            <a:r>
+              <a:rPr lang="en-US" altLang="zh-TW" dirty="0" smtClean="0"/>
+              <a:t>m</a:t>
+            </a:r>
+            <a:r>
+              <a:rPr lang="zh-TW" altLang="en-US" dirty="0" smtClean="0"/>
+              <a:t>個字元。預設靠右。想靠左須為 </a:t>
+            </a:r>
+            <a:r>
+              <a:rPr lang="en-US" altLang="zh-TW" sz="2800" b="1" dirty="0" smtClean="0"/>
+              <a:t>–m</a:t>
+            </a:r>
+            <a:r>
+              <a:rPr lang="zh-TW" altLang="en-US" dirty="0" smtClean="0"/>
+              <a:t>。</a:t>
+            </a:r>
+            <a:endParaRPr lang="en-US" altLang="zh-TW" dirty="0" smtClean="0"/>
+          </a:p>
+          <a:p>
+            <a:pPr lvl="2"/>
+            <a:r>
+              <a:rPr lang="en-US" altLang="zh-TW" dirty="0" smtClean="0"/>
+              <a:t>%6d </a:t>
+            </a:r>
+            <a:r>
+              <a:rPr lang="en-US" altLang="zh-TW" dirty="0" smtClean="0">
+                <a:sym typeface="Wingdings" panose="05000000000000000000" pitchFamily="2" charset="2"/>
+              </a:rPr>
+              <a:t> </a:t>
+            </a:r>
+            <a:r>
+              <a:rPr lang="zh-TW" altLang="en-US" dirty="0" smtClean="0">
+                <a:sym typeface="Wingdings" panose="05000000000000000000" pitchFamily="2" charset="2"/>
+              </a:rPr>
+              <a:t>輸出整數時佔用六個位置。</a:t>
+            </a:r>
+            <a:endParaRPr lang="en-US" altLang="zh-TW" dirty="0" smtClean="0">
+              <a:sym typeface="Wingdings" panose="05000000000000000000" pitchFamily="2" charset="2"/>
+            </a:endParaRPr>
+          </a:p>
+          <a:p>
+            <a:pPr lvl="2"/>
+            <a:r>
+              <a:rPr lang="en-US" altLang="zh-TW" dirty="0" smtClean="0">
+                <a:sym typeface="Wingdings" panose="05000000000000000000" pitchFamily="2" charset="2"/>
+              </a:rPr>
+              <a:t>%7s </a:t>
+            </a:r>
+            <a:r>
+              <a:rPr lang="zh-TW" altLang="en-US" dirty="0" smtClean="0">
+                <a:sym typeface="Wingdings" panose="05000000000000000000" pitchFamily="2" charset="2"/>
+              </a:rPr>
+              <a:t>輸出字串時佔用七個位置。</a:t>
+            </a:r>
+            <a:endParaRPr lang="en-US" altLang="zh-TW" dirty="0" smtClean="0">
+              <a:sym typeface="Wingdings" panose="05000000000000000000" pitchFamily="2" charset="2"/>
+            </a:endParaRPr>
+          </a:p>
+          <a:p>
+            <a:pPr lvl="1"/>
+            <a:r>
+              <a:rPr lang="en-US" altLang="zh-TW" dirty="0" err="1" smtClean="0"/>
+              <a:t>m.n</a:t>
+            </a:r>
+            <a:r>
+              <a:rPr lang="zh-TW" altLang="en-US" dirty="0" smtClean="0"/>
+              <a:t>兩個整數：</a:t>
+            </a:r>
+            <a:r>
+              <a:rPr lang="zh-TW" altLang="en-US" dirty="0"/>
+              <a:t>表示保留寬度</a:t>
+            </a:r>
+            <a:r>
+              <a:rPr lang="en-US" altLang="zh-TW" dirty="0"/>
+              <a:t>m</a:t>
+            </a:r>
+            <a:r>
+              <a:rPr lang="zh-TW" altLang="en-US" dirty="0"/>
+              <a:t>個</a:t>
+            </a:r>
+            <a:r>
+              <a:rPr lang="zh-TW" altLang="en-US" dirty="0" smtClean="0"/>
+              <a:t>字元，含</a:t>
+            </a:r>
+            <a:r>
+              <a:rPr lang="en-US" altLang="zh-TW" dirty="0" smtClean="0"/>
+              <a:t>n</a:t>
+            </a:r>
+            <a:r>
+              <a:rPr lang="zh-TW" altLang="en-US" dirty="0" smtClean="0"/>
+              <a:t>位小數。</a:t>
+            </a:r>
+            <a:r>
+              <a:rPr lang="zh-TW" altLang="en-US" dirty="0"/>
+              <a:t>預設靠右。想靠左須為 </a:t>
+            </a:r>
+            <a:r>
+              <a:rPr lang="en-US" altLang="zh-TW" sz="2400" b="1" dirty="0"/>
+              <a:t>–</a:t>
+            </a:r>
+            <a:r>
+              <a:rPr lang="en-US" altLang="zh-TW" sz="2400" b="1" dirty="0" err="1" smtClean="0"/>
+              <a:t>m.n</a:t>
+            </a:r>
+            <a:endParaRPr lang="en-US" altLang="zh-TW" sz="2400" b="1" dirty="0" smtClean="0"/>
+          </a:p>
+          <a:p>
+            <a:pPr lvl="2"/>
+            <a:r>
+              <a:rPr lang="en-US" altLang="zh-TW" dirty="0"/>
+              <a:t>%7.3f </a:t>
+            </a:r>
+            <a:r>
+              <a:rPr lang="en-US" altLang="zh-TW" dirty="0">
+                <a:sym typeface="Wingdings" panose="05000000000000000000" pitchFamily="2" charset="2"/>
+              </a:rPr>
+              <a:t> </a:t>
+            </a:r>
+            <a:r>
+              <a:rPr lang="zh-TW" altLang="en-US" dirty="0">
+                <a:sym typeface="Wingdings" panose="05000000000000000000" pitchFamily="2" charset="2"/>
+              </a:rPr>
+              <a:t>輸出時佔用七個位置</a:t>
+            </a:r>
+            <a:r>
+              <a:rPr lang="en-US" altLang="zh-TW" dirty="0">
+                <a:sym typeface="Wingdings" panose="05000000000000000000" pitchFamily="2" charset="2"/>
+              </a:rPr>
+              <a:t>(</a:t>
+            </a:r>
+            <a:r>
+              <a:rPr lang="zh-TW" altLang="en-US" dirty="0">
+                <a:sym typeface="Wingdings" panose="05000000000000000000" pitchFamily="2" charset="2"/>
+              </a:rPr>
+              <a:t>含小數點</a:t>
+            </a:r>
+            <a:r>
+              <a:rPr lang="en-US" altLang="zh-TW" dirty="0">
+                <a:sym typeface="Wingdings" panose="05000000000000000000" pitchFamily="2" charset="2"/>
+              </a:rPr>
+              <a:t>)</a:t>
+            </a:r>
+            <a:r>
+              <a:rPr lang="zh-TW" altLang="en-US" dirty="0">
+                <a:sym typeface="Wingdings" panose="05000000000000000000" pitchFamily="2" charset="2"/>
+              </a:rPr>
+              <a:t>，</a:t>
+            </a:r>
+            <a:r>
+              <a:rPr lang="en-US" altLang="zh-TW" b="1" dirty="0">
+                <a:sym typeface="Wingdings" panose="05000000000000000000" pitchFamily="2" charset="2"/>
+              </a:rPr>
+              <a:t>n</a:t>
+            </a:r>
+            <a:r>
+              <a:rPr lang="zh-TW" altLang="en-US" b="1" dirty="0">
+                <a:sym typeface="Wingdings" panose="05000000000000000000" pitchFamily="2" charset="2"/>
+              </a:rPr>
+              <a:t>位小數，</a:t>
+            </a:r>
+            <a:r>
+              <a:rPr lang="en-US" altLang="zh-TW" b="1" dirty="0">
+                <a:sym typeface="Wingdings" panose="05000000000000000000" pitchFamily="2" charset="2"/>
+              </a:rPr>
+              <a:t>m-n-1</a:t>
+            </a:r>
+            <a:r>
+              <a:rPr lang="zh-TW" altLang="en-US" b="1" dirty="0">
+                <a:sym typeface="Wingdings" panose="05000000000000000000" pitchFamily="2" charset="2"/>
+              </a:rPr>
+              <a:t>位整數部分</a:t>
+            </a:r>
+            <a:r>
+              <a:rPr lang="zh-TW" altLang="en-US" dirty="0">
+                <a:sym typeface="Wingdings" panose="05000000000000000000" pitchFamily="2" charset="2"/>
+              </a:rPr>
+              <a:t>。</a:t>
+            </a:r>
+            <a:endParaRPr lang="en-US" altLang="zh-TW" dirty="0"/>
+          </a:p>
+          <a:p>
+            <a:pPr lvl="1"/>
+            <a:r>
+              <a:rPr lang="zh-TW" altLang="en-US" dirty="0" smtClean="0"/>
+              <a:t>數字前面加負號表示靠左。</a:t>
+            </a:r>
+            <a:endParaRPr lang="en-US" altLang="zh-TW" dirty="0" smtClean="0"/>
+          </a:p>
+          <a:p>
+            <a:pPr lvl="1"/>
+            <a:r>
+              <a:rPr lang="zh-TW" altLang="en-US" dirty="0" smtClean="0"/>
+              <a:t>數字前面</a:t>
+            </a:r>
+            <a:r>
+              <a:rPr lang="zh-TW" altLang="en-US" dirty="0"/>
+              <a:t>加</a:t>
+            </a:r>
+            <a:r>
+              <a:rPr lang="zh-TW" altLang="en-US" dirty="0" smtClean="0"/>
+              <a:t>正號表示數值如果是正數，前面加一個</a:t>
+            </a:r>
+            <a:r>
+              <a:rPr lang="en-US" altLang="zh-TW" sz="2000" b="1" dirty="0" smtClean="0"/>
+              <a:t>“+”</a:t>
+            </a:r>
+            <a:r>
+              <a:rPr lang="zh-TW" altLang="en-US" dirty="0" smtClean="0"/>
+              <a:t>號</a:t>
+            </a:r>
+            <a:endParaRPr lang="en-US" altLang="zh-TW" dirty="0"/>
+          </a:p>
+          <a:p>
+            <a:pPr lvl="1"/>
+            <a:endParaRPr lang="zh-TW" altLang="en-US" dirty="0"/>
+          </a:p>
+        </p:txBody>
+      </p:sp>
+    </p:spTree>
+    <p:extLst>
+      <p:ext uri="{BB962C8B-B14F-4D97-AF65-F5344CB8AC3E}">
+        <p14:creationId xmlns:p14="http://schemas.microsoft.com/office/powerpoint/2010/main" val="386903762"/>
+      </p:ext>
+    </p:extLst>
+  </p:cSld>
+  <p:clrMapOvr>
+    <a:masterClrMapping/>
+  </p:clrMapOvr>
+</p:sld>
+</file>
+
+<file path=ppt/slides/slide7.xml><?xml version="1.0" encoding="utf-8"?>
+<p:sld xmlns:a="http://schemas.openxmlformats.org/drawingml/2006/main" xmlns:r="http://schemas.openxmlformats.org/officeDocument/2006/relationships" xmlns:p="http://schemas.openxmlformats.org/presentationml/2006/main">
+  <p:cSld>
+    <p:spTree>
+      <p:nvGrpSpPr>
+        <p:cNvPr id="1" name=""/>
+        <p:cNvGrpSpPr/>
+        <p:nvPr/>
+      </p:nvGrpSpPr>
+      <p:grpSpPr>
+        <a:xfrm>
+          <a:off x="0" y="0"/>
+          <a:ext cx="0" cy="0"/>
+          <a:chOff x="0" y="0"/>
+          <a:chExt cx="0" cy="0"/>
+        </a:xfrm>
+      </p:grpSpPr>
+      <p:sp>
+        <p:nvSpPr>
+          <p:cNvPr id="2" name="標題 1"/>
+          <p:cNvSpPr>
+            <a:spLocks noGrp="1"/>
+          </p:cNvSpPr>
+          <p:nvPr>
+            <p:ph type="title"/>
+          </p:nvPr>
+        </p:nvSpPr>
+        <p:spPr/>
+        <p:txBody>
+          <a:bodyPr/>
+          <a:lstStyle/>
+          <a:p>
+            <a:r>
+              <a:rPr lang="zh-TW" altLang="en-US" dirty="0" smtClean="0"/>
+              <a:t>範例</a:t>
+            </a:r>
+            <a:endParaRPr lang="zh-TW" altLang="en-US" dirty="0"/>
+          </a:p>
+        </p:txBody>
+      </p:sp>
+      <p:sp>
+        <p:nvSpPr>
+          <p:cNvPr id="3" name="內容版面配置區 2"/>
+          <p:cNvSpPr>
+            <a:spLocks noGrp="1"/>
+          </p:cNvSpPr>
+          <p:nvPr>
+            <p:ph idx="1"/>
+          </p:nvPr>
+        </p:nvSpPr>
+        <p:spPr/>
+        <p:txBody>
+          <a:bodyPr/>
+          <a:lstStyle/>
+          <a:p>
+            <a:endParaRPr lang="zh-TW" altLang="en-US"/>
+          </a:p>
+        </p:txBody>
+      </p:sp>
+      <p:pic>
+        <p:nvPicPr>
+          <p:cNvPr id="4" name="圖片 3"/>
+          <p:cNvPicPr>
+            <a:picLocks noChangeAspect="1"/>
+          </p:cNvPicPr>
+          <p:nvPr/>
+        </p:nvPicPr>
+        <p:blipFill>
+          <a:blip r:embed="rId2"/>
+          <a:stretch>
+            <a:fillRect/>
+          </a:stretch>
+        </p:blipFill>
+        <p:spPr>
+          <a:xfrm>
+            <a:off x="729520" y="1399033"/>
+            <a:ext cx="4713450" cy="4507992"/>
+          </a:xfrm>
+          <a:prstGeom prst="rect">
+            <a:avLst/>
+          </a:prstGeom>
+        </p:spPr>
+      </p:pic>
+      <p:sp>
+        <p:nvSpPr>
+          <p:cNvPr id="5" name="矩形 4"/>
+          <p:cNvSpPr/>
+          <p:nvPr/>
+        </p:nvSpPr>
+        <p:spPr>
+          <a:xfrm>
+            <a:off x="5697015" y="2860037"/>
+            <a:ext cx="3480816" cy="3046988"/>
+          </a:xfrm>
+          <a:prstGeom prst="rect">
+            <a:avLst/>
+          </a:prstGeom>
+          <a:solidFill>
+            <a:schemeClr val="bg2">
+              <a:lumMod val="10000"/>
+            </a:schemeClr>
+          </a:solidFill>
+        </p:spPr>
+        <p:txBody>
+          <a:bodyPr wrap="square">
+            <a:spAutoFit/>
+          </a:bodyPr>
+          <a:lstStyle/>
+          <a:p>
+            <a:r>
+              <a:rPr lang="zh-TW" altLang="en-US" sz="2400" dirty="0">
+                <a:solidFill>
+                  <a:schemeClr val="bg1"/>
+                </a:solidFill>
+              </a:rPr>
+              <a:t>ii1=    123</a:t>
+            </a:r>
+          </a:p>
+          <a:p>
+            <a:r>
+              <a:rPr lang="zh-TW" altLang="en-US" sz="2400" dirty="0">
+                <a:solidFill>
+                  <a:schemeClr val="bg1"/>
+                </a:solidFill>
+              </a:rPr>
+              <a:t>ii2=123    </a:t>
+            </a:r>
+          </a:p>
+          <a:p>
+            <a:r>
+              <a:rPr lang="zh-TW" altLang="en-US" sz="2400" dirty="0">
+                <a:solidFill>
+                  <a:schemeClr val="bg1"/>
+                </a:solidFill>
+              </a:rPr>
+              <a:t>ff1=456.789000</a:t>
+            </a:r>
+          </a:p>
+          <a:p>
+            <a:r>
+              <a:rPr lang="zh-TW" altLang="en-US" sz="2400" dirty="0">
+                <a:solidFill>
+                  <a:schemeClr val="bg1"/>
+                </a:solidFill>
+              </a:rPr>
+              <a:t>ff2=    456.79</a:t>
+            </a:r>
+          </a:p>
+          <a:p>
+            <a:r>
+              <a:rPr lang="zh-TW" altLang="en-US" sz="2400" dirty="0">
+                <a:solidFill>
+                  <a:schemeClr val="bg1"/>
+                </a:solidFill>
+              </a:rPr>
+              <a:t>ff3=456.8     </a:t>
+            </a:r>
+          </a:p>
+          <a:p>
+            <a:r>
+              <a:rPr lang="zh-TW" altLang="en-US" sz="2400" dirty="0">
+                <a:solidFill>
+                  <a:schemeClr val="bg1"/>
+                </a:solidFill>
+              </a:rPr>
+              <a:t>ff4=+456.789000</a:t>
+            </a:r>
+          </a:p>
+          <a:p>
+            <a:r>
+              <a:rPr lang="zh-TW" altLang="en-US" sz="2400" dirty="0">
+                <a:solidFill>
+                  <a:schemeClr val="bg1"/>
+                </a:solidFill>
+              </a:rPr>
+              <a:t>ss1=  今天天氣好!</a:t>
+            </a:r>
+          </a:p>
+          <a:p>
+            <a:r>
+              <a:rPr lang="zh-TW" altLang="en-US" sz="2400" dirty="0">
+                <a:solidFill>
+                  <a:schemeClr val="bg1"/>
+                </a:solidFill>
+              </a:rPr>
+              <a:t>ss2=今天天氣好! </a:t>
+            </a:r>
+          </a:p>
+        </p:txBody>
+      </p:sp>
+      <p:sp>
+        <p:nvSpPr>
+          <p:cNvPr id="6" name="向右箭號 5"/>
+          <p:cNvSpPr/>
+          <p:nvPr/>
+        </p:nvSpPr>
+        <p:spPr>
+          <a:xfrm>
+            <a:off x="5301190" y="3930903"/>
+            <a:ext cx="379731" cy="905256"/>
+          </a:xfrm>
+          <a:prstGeom prst="rightArrow">
+            <a:avLst/>
+          </a:prstGeom>
+          <a:solidFill>
+            <a:srgbClr val="FF0000"/>
+          </a:solidFill>
+          <a:ln>
+            <a:solidFill>
+              <a:srgbClr val="FF0000"/>
+            </a:solidFill>
+          </a:ln>
+        </p:spPr>
+        <p:style>
+          <a:lnRef idx="2">
+            <a:schemeClr val="accent1">
+              <a:shade val="50000"/>
+            </a:schemeClr>
+          </a:lnRef>
+          <a:fillRef idx="1">
+            <a:schemeClr val="accent1"/>
+          </a:fillRef>
+          <a:effectRef idx="0">
+            <a:schemeClr val="accent1"/>
+          </a:effectRef>
+          <a:fontRef idx="minor">
+            <a:schemeClr val="lt1"/>
+          </a:fontRef>
+        </p:style>
+        <p:txBody>
+          <a:bodyPr rtlCol="0" anchor="ctr"/>
+          <a:lstStyle/>
+          <a:p>
+            <a:pPr algn="ctr"/>
+            <a:endParaRPr lang="zh-TW" altLang="en-US"/>
+          </a:p>
+        </p:txBody>
+      </p:sp>
+      <p:sp>
+        <p:nvSpPr>
+          <p:cNvPr id="7" name="文字方塊 6"/>
+          <p:cNvSpPr txBox="1"/>
+          <p:nvPr/>
+        </p:nvSpPr>
+        <p:spPr>
+          <a:xfrm>
+            <a:off x="566928" y="5952548"/>
+            <a:ext cx="1669047" cy="369332"/>
+          </a:xfrm>
+          <a:prstGeom prst="rect">
+            <a:avLst/>
+          </a:prstGeom>
+          <a:noFill/>
+        </p:spPr>
+        <p:txBody>
+          <a:bodyPr wrap="none" rtlCol="0">
+            <a:spAutoFit/>
+          </a:bodyPr>
+          <a:lstStyle/>
+          <a:p>
+            <a:r>
+              <a:rPr lang="en-US" altLang="zh-TW" dirty="0" smtClean="0">
+                <a:solidFill>
+                  <a:srgbClr val="FF0000"/>
+                </a:solidFill>
+              </a:rPr>
+              <a:t>Example05_01</a:t>
+            </a:r>
+            <a:endParaRPr lang="zh-TW" altLang="en-US" dirty="0">
+              <a:solidFill>
+                <a:srgbClr val="FF0000"/>
+              </a:solidFill>
+            </a:endParaRPr>
+          </a:p>
+        </p:txBody>
+      </p:sp>
+    </p:spTree>
+    <p:extLst>
+      <p:ext uri="{BB962C8B-B14F-4D97-AF65-F5344CB8AC3E}">
+        <p14:creationId xmlns:p14="http://schemas.microsoft.com/office/powerpoint/2010/main" val="271559070"/>
+      </p:ext>
+    </p:extLst>
+  </p:cSld>
+  <p:clrMapOvr>
+    <a:masterClrMapping/>
+  </p:clrMapOvr>
+</p:sld>
+</file>
+
+<file path=ppt/slides/slide8.xml><?xml version="1.0" encoding="utf-8"?>
+<p:sld xmlns:a="http://schemas.openxmlformats.org/drawingml/2006/main" xmlns:r="http://schemas.openxmlformats.org/officeDocument/2006/relationships" xmlns:p="http://schemas.openxmlformats.org/presentationml/2006/main">
+  <p:cSld>
+    <p:spTree>
+      <p:nvGrpSpPr>
+        <p:cNvPr id="1" name=""/>
+        <p:cNvGrpSpPr/>
+        <p:nvPr/>
+      </p:nvGrpSpPr>
+      <p:grpSpPr>
+        <a:xfrm>
+          <a:off x="0" y="0"/>
+          <a:ext cx="0" cy="0"/>
+          <a:chOff x="0" y="0"/>
+          <a:chExt cx="0" cy="0"/>
+        </a:xfrm>
+      </p:grpSpPr>
+      <p:sp>
+        <p:nvSpPr>
+          <p:cNvPr id="4" name="標題 3"/>
+          <p:cNvSpPr>
+            <a:spLocks noGrp="1"/>
+          </p:cNvSpPr>
+          <p:nvPr>
+            <p:ph type="title"/>
+          </p:nvPr>
+        </p:nvSpPr>
+        <p:spPr/>
+        <p:txBody>
+          <a:bodyPr/>
+          <a:lstStyle/>
+          <a:p>
+            <a:r>
+              <a:rPr lang="en-US" altLang="zh-TW" dirty="0" smtClean="0"/>
+              <a:t>Python</a:t>
+            </a:r>
+            <a:r>
+              <a:rPr lang="zh-TW" altLang="en-US" dirty="0" smtClean="0"/>
+              <a:t>增強版格式化輸出</a:t>
+            </a:r>
+            <a:endParaRPr lang="zh-TW" altLang="en-US" dirty="0"/>
+          </a:p>
+        </p:txBody>
+      </p:sp>
+      <p:sp>
+        <p:nvSpPr>
+          <p:cNvPr id="5" name="文字版面配置區 4"/>
+          <p:cNvSpPr>
+            <a:spLocks noGrp="1"/>
+          </p:cNvSpPr>
+          <p:nvPr>
+            <p:ph type="body" idx="1"/>
+          </p:nvPr>
+        </p:nvSpPr>
+        <p:spPr/>
+        <p:txBody>
+          <a:bodyPr/>
+          <a:lstStyle/>
+          <a:p>
+            <a:r>
+              <a:rPr lang="en-US" altLang="zh-TW" dirty="0" smtClean="0"/>
+              <a:t>Python 2.6~3.x</a:t>
+            </a:r>
+            <a:r>
+              <a:rPr lang="zh-TW" altLang="en-US" dirty="0" smtClean="0"/>
+              <a:t>版本可用</a:t>
+            </a:r>
+            <a:endParaRPr lang="zh-TW" altLang="en-US" dirty="0"/>
+          </a:p>
+        </p:txBody>
+      </p:sp>
+    </p:spTree>
+    <p:extLst>
+      <p:ext uri="{BB962C8B-B14F-4D97-AF65-F5344CB8AC3E}">
+        <p14:creationId xmlns:p14="http://schemas.microsoft.com/office/powerpoint/2010/main" val="2659834627"/>
+      </p:ext>
+    </p:extLst>
+  </p:cSld>
+  <p:clrMapOvr>
+    <a:masterClrMapping/>
+  </p:clrMapOvr>
+</p:sld>
+</file>
+
+<file path=ppt/slides/slide9.xml><?xml version="1.0" encoding="utf-8"?>
+<p:sld xmlns:a="http://schemas.openxmlformats.org/drawingml/2006/main" xmlns:r="http://schemas.openxmlformats.org/officeDocument/2006/relationships" xmlns:p="http://schemas.openxmlformats.org/presentationml/2006/main">
+  <p:cSld>
+    <p:spTree>
+      <p:nvGrpSpPr>
+        <p:cNvPr id="1" name=""/>
+        <p:cNvGrpSpPr/>
+        <p:nvPr/>
+      </p:nvGrpSpPr>
+      <p:grpSpPr>
+        <a:xfrm>
+          <a:off x="0" y="0"/>
+          <a:ext cx="0" cy="0"/>
+          <a:chOff x="0" y="0"/>
+          <a:chExt cx="0" cy="0"/>
+        </a:xfrm>
+      </p:grpSpPr>
+      <p:sp>
+        <p:nvSpPr>
+          <p:cNvPr id="2" name="標題 1"/>
+          <p:cNvSpPr>
+            <a:spLocks noGrp="1"/>
+          </p:cNvSpPr>
+          <p:nvPr>
+            <p:ph type="title"/>
+          </p:nvPr>
+        </p:nvSpPr>
+        <p:spPr/>
+        <p:txBody>
+          <a:bodyPr/>
+          <a:lstStyle/>
+          <a:p>
+            <a:r>
+              <a:rPr lang="zh-TW" altLang="en-US" dirty="0" smtClean="0"/>
+              <a:t>利用</a:t>
+            </a:r>
+            <a:r>
+              <a:rPr lang="en-US" altLang="zh-TW" dirty="0" smtClean="0"/>
+              <a:t>{}</a:t>
+            </a:r>
+            <a:r>
+              <a:rPr lang="zh-TW" altLang="en-US" dirty="0" smtClean="0"/>
+              <a:t>與</a:t>
+            </a:r>
+            <a:r>
+              <a:rPr lang="en-US" altLang="zh-TW" dirty="0" smtClean="0"/>
+              <a:t>format()</a:t>
+            </a:r>
+            <a:r>
+              <a:rPr lang="zh-TW" altLang="en-US" dirty="0"/>
+              <a:t>函</a:t>
+            </a:r>
+            <a:r>
+              <a:rPr lang="zh-TW" altLang="en-US" dirty="0" smtClean="0"/>
+              <a:t>數</a:t>
+            </a:r>
+            <a:endParaRPr lang="zh-TW" altLang="en-US" dirty="0"/>
+          </a:p>
+        </p:txBody>
+      </p:sp>
+      <p:sp>
+        <p:nvSpPr>
+          <p:cNvPr id="3" name="內容版面配置區 2"/>
+          <p:cNvSpPr>
+            <a:spLocks noGrp="1"/>
+          </p:cNvSpPr>
+          <p:nvPr>
+            <p:ph idx="1"/>
+          </p:nvPr>
+        </p:nvSpPr>
+        <p:spPr/>
+        <p:txBody>
+          <a:bodyPr/>
+          <a:lstStyle/>
+          <a:p>
+            <a:r>
+              <a:rPr lang="zh-TW" altLang="en-US" dirty="0"/>
+              <a:t>基本概念：</a:t>
+            </a:r>
+            <a:endParaRPr lang="en-US" altLang="zh-TW" dirty="0" smtClean="0"/>
+          </a:p>
+          <a:p>
+            <a:pPr lvl="1"/>
+            <a:r>
+              <a:rPr lang="zh-TW" altLang="en-US" dirty="0" smtClean="0"/>
+              <a:t>把前一種方法</a:t>
+            </a:r>
+            <a:r>
+              <a:rPr lang="zh-TW" altLang="en-US" b="1" dirty="0" smtClean="0"/>
+              <a:t>的 </a:t>
+            </a:r>
+            <a:r>
+              <a:rPr lang="en-US" altLang="zh-TW" b="1" dirty="0" smtClean="0"/>
+              <a:t>%(</a:t>
+            </a:r>
+            <a:r>
+              <a:rPr lang="zh-TW" altLang="en-US" b="1" dirty="0" smtClean="0"/>
+              <a:t>變數</a:t>
+            </a:r>
+            <a:r>
+              <a:rPr lang="en-US" altLang="zh-TW" b="1" dirty="0" smtClean="0"/>
+              <a:t>1,</a:t>
+            </a:r>
+            <a:r>
+              <a:rPr lang="zh-TW" altLang="en-US" b="1" dirty="0" smtClean="0"/>
+              <a:t>變數</a:t>
+            </a:r>
+            <a:r>
+              <a:rPr lang="en-US" altLang="zh-TW" b="1" dirty="0" smtClean="0"/>
+              <a:t>2,…)</a:t>
+            </a:r>
+            <a:r>
+              <a:rPr lang="zh-TW" altLang="en-US" dirty="0" smtClean="0"/>
+              <a:t>改</a:t>
+            </a:r>
+            <a:r>
+              <a:rPr lang="zh-TW" altLang="en-US" dirty="0"/>
+              <a:t>為</a:t>
+            </a:r>
+            <a:r>
+              <a:rPr lang="zh-TW" altLang="en-US" dirty="0" smtClean="0">
+                <a:solidFill>
+                  <a:srgbClr val="0070C0"/>
+                </a:solidFill>
+              </a:rPr>
+              <a:t> </a:t>
+            </a:r>
+            <a:r>
+              <a:rPr lang="en-US" altLang="zh-TW" sz="2200" b="1" dirty="0" smtClean="0">
+                <a:solidFill>
+                  <a:srgbClr val="0070C0"/>
+                </a:solidFill>
+              </a:rPr>
+              <a:t>.format(</a:t>
+            </a:r>
+            <a:r>
+              <a:rPr lang="zh-TW" altLang="en-US" sz="2200" b="1" dirty="0" smtClean="0">
+                <a:solidFill>
+                  <a:srgbClr val="0070C0"/>
+                </a:solidFill>
+              </a:rPr>
+              <a:t>變數</a:t>
+            </a:r>
+            <a:r>
+              <a:rPr lang="en-US" altLang="zh-TW" sz="2200" b="1" dirty="0" smtClean="0">
+                <a:solidFill>
+                  <a:srgbClr val="0070C0"/>
+                </a:solidFill>
+              </a:rPr>
+              <a:t>1, </a:t>
+            </a:r>
+            <a:r>
+              <a:rPr lang="zh-TW" altLang="en-US" sz="2200" b="1" dirty="0" smtClean="0">
+                <a:solidFill>
+                  <a:srgbClr val="0070C0"/>
+                </a:solidFill>
+              </a:rPr>
+              <a:t>變數</a:t>
+            </a:r>
+            <a:r>
+              <a:rPr lang="en-US" altLang="zh-TW" sz="2200" b="1" dirty="0" smtClean="0">
+                <a:solidFill>
+                  <a:srgbClr val="0070C0"/>
+                </a:solidFill>
+              </a:rPr>
+              <a:t>2, ….)</a:t>
+            </a:r>
+            <a:endParaRPr lang="en-US" altLang="zh-TW" b="1" dirty="0" smtClean="0">
+              <a:solidFill>
+                <a:srgbClr val="0070C0"/>
+              </a:solidFill>
+            </a:endParaRPr>
+          </a:p>
+          <a:p>
+            <a:pPr lvl="1"/>
+            <a:r>
+              <a:rPr lang="zh-TW" altLang="en-US" dirty="0"/>
+              <a:t>把</a:t>
+            </a:r>
+            <a:r>
+              <a:rPr lang="en-US" altLang="zh-TW" dirty="0"/>
+              <a:t>%7d</a:t>
+            </a:r>
+            <a:r>
+              <a:rPr lang="zh-TW" altLang="en-US" dirty="0"/>
+              <a:t>改</a:t>
+            </a:r>
+            <a:r>
+              <a:rPr lang="zh-TW" altLang="en-US" dirty="0" smtClean="0"/>
+              <a:t>為 </a:t>
+            </a:r>
+            <a:r>
+              <a:rPr lang="en-US" altLang="zh-TW" sz="2000" b="1" dirty="0" smtClean="0">
+                <a:solidFill>
+                  <a:srgbClr val="0070C0"/>
+                </a:solidFill>
+              </a:rPr>
+              <a:t>{7d}</a:t>
+            </a:r>
+            <a:endParaRPr lang="en-US" altLang="zh-TW" sz="2000" b="1" dirty="0">
+              <a:solidFill>
+                <a:srgbClr val="0070C0"/>
+              </a:solidFill>
+            </a:endParaRPr>
+          </a:p>
+          <a:p>
+            <a:r>
+              <a:rPr lang="zh-TW" altLang="en-US" dirty="0" smtClean="0"/>
+              <a:t>但是還有更多功能！</a:t>
+            </a:r>
+            <a:endParaRPr lang="en-US" altLang="zh-TW" dirty="0" smtClean="0"/>
+          </a:p>
+          <a:p>
+            <a:r>
+              <a:rPr lang="zh-TW" altLang="en-US" dirty="0"/>
+              <a:t>最大好處：變數順序可以不依照前面順序</a:t>
+            </a:r>
+            <a:r>
+              <a:rPr lang="zh-TW" altLang="en-US" dirty="0" smtClean="0"/>
+              <a:t>，只要指定好對應即可。</a:t>
+            </a:r>
+            <a:endParaRPr lang="en-US" altLang="zh-TW" dirty="0" smtClean="0"/>
+          </a:p>
+          <a:p>
+            <a:endParaRPr lang="zh-TW" altLang="en-US" dirty="0"/>
+          </a:p>
+        </p:txBody>
+      </p:sp>
+    </p:spTree>
+    <p:extLst>
+      <p:ext uri="{BB962C8B-B14F-4D97-AF65-F5344CB8AC3E}">
+        <p14:creationId xmlns:p14="http://schemas.microsoft.com/office/powerpoint/2010/main" val="3007316653"/>
+      </p:ext>
+    </p:extLst>
+  </p:cSld>
+  <p:clrMapOvr>
+    <a:masterClrMapping/>
+  </p:clrMapOvr>
 </p:sld>
 </file>
 

--- a/LCC/Python/05_關於格式化輸出.pptx
+++ b/LCC/Python/05_關於格式化輸出.pptx
@@ -882,7 +882,7 @@
             <a:fld id="{B61BEF0D-F0BB-DE4B-95CE-6DB70DBA9567}" type="datetimeFigureOut">
               <a:rPr lang="en-US" smtClean="0"/>
               <a:pPr/>
-              <a:t>1/8/2021</a:t>
+              <a:t>12/11/2021</a:t>
             </a:fld>
             <a:endParaRPr lang="en-US" dirty="0"/>
           </a:p>
@@ -1142,7 +1142,7 @@
             <a:fld id="{B61BEF0D-F0BB-DE4B-95CE-6DB70DBA9567}" type="datetimeFigureOut">
               <a:rPr lang="en-US" smtClean="0"/>
               <a:pPr/>
-              <a:t>1/8/2021</a:t>
+              <a:t>12/11/2021</a:t>
             </a:fld>
             <a:endParaRPr lang="en-US" dirty="0"/>
           </a:p>
@@ -1458,7 +1458,7 @@
             <a:fld id="{B61BEF0D-F0BB-DE4B-95CE-6DB70DBA9567}" type="datetimeFigureOut">
               <a:rPr lang="en-US" smtClean="0"/>
               <a:pPr/>
-              <a:t>1/8/2021</a:t>
+              <a:t>12/11/2021</a:t>
             </a:fld>
             <a:endParaRPr lang="en-US" dirty="0"/>
           </a:p>
@@ -1793,7 +1793,7 @@
             <a:fld id="{B61BEF0D-F0BB-DE4B-95CE-6DB70DBA9567}" type="datetimeFigureOut">
               <a:rPr lang="en-US" smtClean="0"/>
               <a:pPr/>
-              <a:t>1/8/2021</a:t>
+              <a:t>12/11/2021</a:t>
             </a:fld>
             <a:endParaRPr lang="en-US" dirty="0"/>
           </a:p>
@@ -2109,7 +2109,7 @@
             <a:fld id="{B61BEF0D-F0BB-DE4B-95CE-6DB70DBA9567}" type="datetimeFigureOut">
               <a:rPr lang="en-US" smtClean="0"/>
               <a:pPr/>
-              <a:t>1/8/2021</a:t>
+              <a:t>12/11/2021</a:t>
             </a:fld>
             <a:endParaRPr lang="en-US" dirty="0"/>
           </a:p>
@@ -2504,7 +2504,7 @@
             <a:fld id="{B61BEF0D-F0BB-DE4B-95CE-6DB70DBA9567}" type="datetimeFigureOut">
               <a:rPr lang="en-US" smtClean="0"/>
               <a:pPr/>
-              <a:t>1/8/2021</a:t>
+              <a:t>12/11/2021</a:t>
             </a:fld>
             <a:endParaRPr lang="en-US" dirty="0"/>
           </a:p>
@@ -2675,7 +2675,7 @@
           <a:p>
             <a:fld id="{55C6B4A9-1611-4792-9094-5F34BCA07E0B}" type="datetimeFigureOut">
               <a:rPr lang="en-US" smtClean="0"/>
-              <a:t>1/8/2021</a:t>
+              <a:t>12/11/2021</a:t>
             </a:fld>
             <a:endParaRPr lang="en-US" dirty="0"/>
           </a:p>
@@ -2856,7 +2856,7 @@
             <a:fld id="{B61BEF0D-F0BB-DE4B-95CE-6DB70DBA9567}" type="datetimeFigureOut">
               <a:rPr lang="en-US" smtClean="0"/>
               <a:pPr/>
-              <a:t>1/8/2021</a:t>
+              <a:t>12/11/2021</a:t>
             </a:fld>
             <a:endParaRPr lang="en-US" dirty="0"/>
           </a:p>
@@ -3028,7 +3028,7 @@
             <a:fld id="{B61BEF0D-F0BB-DE4B-95CE-6DB70DBA9567}" type="datetimeFigureOut">
               <a:rPr lang="en-US" smtClean="0"/>
               <a:pPr/>
-              <a:t>1/8/2021</a:t>
+              <a:t>12/11/2021</a:t>
             </a:fld>
             <a:endParaRPr lang="en-US" dirty="0"/>
           </a:p>
@@ -3277,7 +3277,7 @@
             <a:fld id="{B61BEF0D-F0BB-DE4B-95CE-6DB70DBA9567}" type="datetimeFigureOut">
               <a:rPr lang="en-US" smtClean="0"/>
               <a:pPr/>
-              <a:t>1/8/2021</a:t>
+              <a:t>12/11/2021</a:t>
             </a:fld>
             <a:endParaRPr lang="en-US" dirty="0"/>
           </a:p>
@@ -3510,7 +3510,7 @@
           <a:p>
             <a:fld id="{EB712588-04B1-427B-82EE-E8DB90309F08}" type="datetimeFigureOut">
               <a:rPr lang="en-US" smtClean="0"/>
-              <a:t>1/8/2021</a:t>
+              <a:t>12/11/2021</a:t>
             </a:fld>
             <a:endParaRPr lang="en-US" dirty="0"/>
           </a:p>
@@ -3885,7 +3885,7 @@
             <a:fld id="{B61BEF0D-F0BB-DE4B-95CE-6DB70DBA9567}" type="datetimeFigureOut">
               <a:rPr lang="en-US" smtClean="0"/>
               <a:pPr/>
-              <a:t>1/8/2021</a:t>
+              <a:t>12/11/2021</a:t>
             </a:fld>
             <a:endParaRPr lang="en-US" dirty="0"/>
           </a:p>
@@ -4010,7 +4010,7 @@
             <a:fld id="{B61BEF0D-F0BB-DE4B-95CE-6DB70DBA9567}" type="datetimeFigureOut">
               <a:rPr lang="en-US" smtClean="0"/>
               <a:pPr/>
-              <a:t>1/8/2021</a:t>
+              <a:t>12/11/2021</a:t>
             </a:fld>
             <a:endParaRPr lang="en-US" dirty="0"/>
           </a:p>
@@ -4107,7 +4107,7 @@
             <a:fld id="{B61BEF0D-F0BB-DE4B-95CE-6DB70DBA9567}" type="datetimeFigureOut">
               <a:rPr lang="en-US" smtClean="0"/>
               <a:pPr/>
-              <a:t>1/8/2021</a:t>
+              <a:t>12/11/2021</a:t>
             </a:fld>
             <a:endParaRPr lang="en-US" dirty="0"/>
           </a:p>
@@ -4363,7 +4363,7 @@
           <a:p>
             <a:fld id="{42A54C80-263E-416B-A8E0-580EDEADCBDC}" type="datetimeFigureOut">
               <a:rPr lang="en-US" smtClean="0"/>
-              <a:t>1/8/2021</a:t>
+              <a:t>12/11/2021</a:t>
             </a:fld>
             <a:endParaRPr lang="en-US" dirty="0"/>
           </a:p>
@@ -4670,7 +4670,7 @@
             <a:fld id="{B61BEF0D-F0BB-DE4B-95CE-6DB70DBA9567}" type="datetimeFigureOut">
               <a:rPr lang="en-US" smtClean="0"/>
               <a:pPr/>
-              <a:t>1/8/2021</a:t>
+              <a:t>12/11/2021</a:t>
             </a:fld>
             <a:endParaRPr lang="en-US" dirty="0"/>
           </a:p>
@@ -5373,7 +5373,7 @@
             <a:fld id="{B61BEF0D-F0BB-DE4B-95CE-6DB70DBA9567}" type="datetimeFigureOut">
               <a:rPr lang="en-US" smtClean="0"/>
               <a:pPr/>
-              <a:t>1/8/2021</a:t>
+              <a:t>12/11/2021</a:t>
             </a:fld>
             <a:endParaRPr lang="en-US" dirty="0"/>
           </a:p>
@@ -5499,34 +5499,38 @@
       </p:pic>
       <p:sp>
         <p:nvSpPr>
-          <p:cNvPr id="29" name="矩形 28"/>
+          <p:cNvPr id="30" name="矩形 29"/>
           <p:cNvSpPr/>
           <p:nvPr userDrawn="1"/>
         </p:nvSpPr>
         <p:spPr>
           <a:xfrm>
-            <a:off x="583155" y="6375118"/>
-            <a:ext cx="6890473" cy="338554"/>
+            <a:off x="493613" y="6396335"/>
+            <a:ext cx="4352474" cy="400110"/>
           </a:xfrm>
           <a:prstGeom prst="rect">
             <a:avLst/>
           </a:prstGeom>
         </p:spPr>
         <p:txBody>
-          <a:bodyPr wrap="square">
+          <a:bodyPr wrap="none">
             <a:spAutoFit/>
           </a:bodyPr>
           <a:lstStyle/>
           <a:p>
             <a:r>
-              <a:rPr lang="zh-TW" altLang="en-US" sz="1600" dirty="0" smtClean="0"/>
-              <a:t>https://github.com/liulawsi/LLC_Python/tree/main/Section0</a:t>
-            </a:r>
-            <a:r>
-              <a:rPr lang="en-US" altLang="zh-TW" sz="1600" dirty="0" smtClean="0"/>
-              <a:t>5</a:t>
-            </a:r>
-            <a:endParaRPr lang="zh-TW" altLang="en-US" sz="1600" dirty="0"/>
+              <a:rPr lang="zh-TW" altLang="en-US" sz="2000" dirty="0" smtClean="0"/>
+              <a:t>講義</a:t>
+            </a:r>
+            <a:r>
+              <a:rPr lang="zh-TW" altLang="en-US" sz="2000" dirty="0"/>
+              <a:t>網址：https://reurl.cc/OkZbM</a:t>
+            </a:r>
+            <a:r>
+              <a:rPr lang="zh-TW" altLang="en-US" sz="2000" dirty="0" smtClean="0"/>
+              <a:t>g</a:t>
+            </a:r>
+            <a:endParaRPr lang="zh-TW" altLang="en-US" sz="2000" dirty="0"/>
           </a:p>
         </p:txBody>
       </p:sp>
@@ -6020,7 +6024,7 @@
           <a:p>
             <a:fld id="{4805910D-2C61-424F-80CE-807290CF0E1E}" type="datetime4">
               <a:rPr lang="zh-TW" altLang="zh-TW"/>
-              <a:t>110年1月8日星期五</a:t>
+              <a:t>110年12月11日星期六</a:t>
             </a:fld>
             <a:endParaRPr lang="zh-TW" altLang="en-US" dirty="0"/>
           </a:p>
@@ -6065,6 +6069,67 @@
               </a14:hiddenFill>
             </a:ext>
           </a:extLst>
+        </p:spPr>
+      </p:pic>
+      <p:sp>
+        <p:nvSpPr>
+          <p:cNvPr id="5" name="矩形 4"/>
+          <p:cNvSpPr/>
+          <p:nvPr/>
+        </p:nvSpPr>
+        <p:spPr>
+          <a:xfrm>
+            <a:off x="689120" y="489175"/>
+            <a:ext cx="5194051" cy="461665"/>
+          </a:xfrm>
+          <a:prstGeom prst="rect">
+            <a:avLst/>
+          </a:prstGeom>
+        </p:spPr>
+        <p:txBody>
+          <a:bodyPr wrap="none">
+            <a:spAutoFit/>
+          </a:bodyPr>
+          <a:lstStyle/>
+          <a:p>
+            <a:r>
+              <a:rPr lang="zh-TW" altLang="en-US" sz="2400" dirty="0" smtClean="0"/>
+              <a:t>講義</a:t>
+            </a:r>
+            <a:r>
+              <a:rPr lang="zh-TW" altLang="en-US" sz="2400" dirty="0"/>
+              <a:t>網址：https://reurl.cc/OkZbM</a:t>
+            </a:r>
+            <a:r>
+              <a:rPr lang="zh-TW" altLang="en-US" sz="2400" dirty="0" smtClean="0"/>
+              <a:t>g</a:t>
+            </a:r>
+            <a:endParaRPr lang="zh-TW" altLang="en-US" sz="2400" dirty="0"/>
+          </a:p>
+        </p:txBody>
+      </p:sp>
+      <p:pic>
+        <p:nvPicPr>
+          <p:cNvPr id="6" name="圖片 5"/>
+          <p:cNvPicPr>
+            <a:picLocks noChangeAspect="1"/>
+          </p:cNvPicPr>
+          <p:nvPr/>
+        </p:nvPicPr>
+        <p:blipFill>
+          <a:blip r:embed="rId3"/>
+          <a:stretch>
+            <a:fillRect/>
+          </a:stretch>
+        </p:blipFill>
+        <p:spPr>
+          <a:xfrm>
+            <a:off x="792692" y="1014701"/>
+            <a:ext cx="1428750" cy="1428750"/>
+          </a:xfrm>
+          <a:prstGeom prst="rect">
+            <a:avLst/>
+          </a:prstGeom>
         </p:spPr>
       </p:pic>
     </p:spTree>
@@ -8664,11 +8729,7 @@
             <a:pPr lvl="1"/>
             <a:r>
               <a:rPr lang="zh-TW" altLang="en-US" dirty="0"/>
-              <a:t>字串</a:t>
-            </a:r>
-            <a:r>
-              <a:rPr lang="zh-TW" altLang="en-US" dirty="0"/>
-              <a:t>中出現的</a:t>
+              <a:t>字串中出現的</a:t>
             </a:r>
             <a:r>
               <a:rPr lang="en-US" altLang="zh-TW" sz="2400" b="1" dirty="0"/>
